--- a/03. Datenmodellierung und -abfrage mit dem Entity Framework/03. Datenmodellierung und -abfrage mit dem Entity Framework.pptx
+++ b/03. Datenmodellierung und -abfrage mit dem Entity Framework/03. Datenmodellierung und -abfrage mit dem Entity Framework.pptx
@@ -5,17 +5,48 @@
     <p:sldMasterId id="2147484690" r:id="rId1"/>
   </p:sldMasterIdLst>
   <p:notesMasterIdLst>
-    <p:notesMasterId r:id="rId7"/>
+    <p:notesMasterId r:id="rId38"/>
   </p:notesMasterIdLst>
   <p:handoutMasterIdLst>
-    <p:handoutMasterId r:id="rId8"/>
+    <p:handoutMasterId r:id="rId39"/>
   </p:handoutMasterIdLst>
   <p:sldIdLst>
     <p:sldId id="332" r:id="rId2"/>
     <p:sldId id="299" r:id="rId3"/>
     <p:sldId id="361" r:id="rId4"/>
     <p:sldId id="362" r:id="rId5"/>
-    <p:sldId id="290" r:id="rId6"/>
+    <p:sldId id="363" r:id="rId6"/>
+    <p:sldId id="364" r:id="rId7"/>
+    <p:sldId id="365" r:id="rId8"/>
+    <p:sldId id="366" r:id="rId9"/>
+    <p:sldId id="367" r:id="rId10"/>
+    <p:sldId id="370" r:id="rId11"/>
+    <p:sldId id="368" r:id="rId12"/>
+    <p:sldId id="369" r:id="rId13"/>
+    <p:sldId id="371" r:id="rId14"/>
+    <p:sldId id="376" r:id="rId15"/>
+    <p:sldId id="377" r:id="rId16"/>
+    <p:sldId id="372" r:id="rId17"/>
+    <p:sldId id="373" r:id="rId18"/>
+    <p:sldId id="374" r:id="rId19"/>
+    <p:sldId id="375" r:id="rId20"/>
+    <p:sldId id="378" r:id="rId21"/>
+    <p:sldId id="379" r:id="rId22"/>
+    <p:sldId id="380" r:id="rId23"/>
+    <p:sldId id="381" r:id="rId24"/>
+    <p:sldId id="382" r:id="rId25"/>
+    <p:sldId id="383" r:id="rId26"/>
+    <p:sldId id="384" r:id="rId27"/>
+    <p:sldId id="385" r:id="rId28"/>
+    <p:sldId id="386" r:id="rId29"/>
+    <p:sldId id="387" r:id="rId30"/>
+    <p:sldId id="388" r:id="rId31"/>
+    <p:sldId id="389" r:id="rId32"/>
+    <p:sldId id="390" r:id="rId33"/>
+    <p:sldId id="391" r:id="rId34"/>
+    <p:sldId id="392" r:id="rId35"/>
+    <p:sldId id="393" r:id="rId36"/>
+    <p:sldId id="290" r:id="rId37"/>
   </p:sldIdLst>
   <p:sldSz cx="12190413" cy="6859588"/>
   <p:notesSz cx="7099300" cy="10234613"/>
@@ -261,7 +292,7 @@
             <a:pPr>
               <a:defRPr/>
             </a:pPr>
-            <a:endParaRPr lang="de-DE"/>
+            <a:endParaRPr lang="de-DE" dirty="0"/>
           </a:p>
         </p:txBody>
       </p:sp>
@@ -300,9 +331,9 @@
               <a:pPr>
                 <a:defRPr/>
               </a:pPr>
-              <a:t>27.09.2015</a:t>
+              <a:t>28.09.2015</a:t>
             </a:fld>
-            <a:endParaRPr lang="de-DE"/>
+            <a:endParaRPr lang="de-DE" dirty="0"/>
           </a:p>
         </p:txBody>
       </p:sp>
@@ -336,7 +367,7 @@
             <a:pPr>
               <a:defRPr/>
             </a:pPr>
-            <a:endParaRPr lang="de-DE"/>
+            <a:endParaRPr lang="de-DE" dirty="0"/>
           </a:p>
         </p:txBody>
       </p:sp>
@@ -377,7 +408,7 @@
               </a:pPr>
               <a:t>‹Nr.›</a:t>
             </a:fld>
-            <a:endParaRPr lang="de-DE"/>
+            <a:endParaRPr lang="de-DE" dirty="0"/>
           </a:p>
         </p:txBody>
       </p:sp>
@@ -499,7 +530,7 @@
               <a:pPr>
                 <a:defRPr/>
               </a:pPr>
-              <a:t>2015-09-27</a:t>
+              <a:t>2015-09-28</a:t>
             </a:fld>
             <a:endParaRPr lang="sv-SE"/>
           </a:p>
@@ -999,7 +1030,7 @@
           </a:bodyPr>
           <a:lstStyle/>
           <a:p>
-            <a:endParaRPr lang="de-DE" smtClean="0"/>
+            <a:endParaRPr lang="de-DE" dirty="0" smtClean="0"/>
           </a:p>
         </p:txBody>
       </p:sp>
@@ -1026,7 +1057,7 @@
               <a:pPr>
                 <a:defRPr/>
               </a:pPr>
-              <a:t>5</a:t>
+              <a:t>36</a:t>
             </a:fld>
             <a:endParaRPr lang="sv-SE"/>
           </a:p>
@@ -1285,7 +1316,7 @@
               <a:pPr/>
               <a:t>‹Nr.›</a:t>
             </a:fld>
-            <a:endParaRPr lang="en-US"/>
+            <a:endParaRPr lang="en-US" dirty="0"/>
           </a:p>
         </p:txBody>
       </p:sp>
@@ -1502,7 +1533,7 @@
               <a:pPr/>
               <a:t>‹Nr.›</a:t>
             </a:fld>
-            <a:endParaRPr lang="en-US"/>
+            <a:endParaRPr lang="en-US" dirty="0"/>
           </a:p>
         </p:txBody>
       </p:sp>
@@ -1727,7 +1758,7 @@
               <a:pPr/>
               <a:t>‹Nr.›</a:t>
             </a:fld>
-            <a:endParaRPr lang="en-US"/>
+            <a:endParaRPr lang="en-US" dirty="0"/>
           </a:p>
         </p:txBody>
       </p:sp>
@@ -1952,7 +1983,7 @@
               <a:pPr/>
               <a:t>‹Nr.›</a:t>
             </a:fld>
-            <a:endParaRPr lang="en-US"/>
+            <a:endParaRPr lang="en-US" dirty="0"/>
           </a:p>
         </p:txBody>
       </p:sp>
@@ -2017,7 +2048,7 @@
               <a:pPr/>
               <a:t>‹Nr.›</a:t>
             </a:fld>
-            <a:endParaRPr lang="en-US"/>
+            <a:endParaRPr lang="en-US" dirty="0"/>
           </a:p>
         </p:txBody>
       </p:sp>
@@ -2381,7 +2412,7 @@
               <a:pPr/>
               <a:t>‹Nr.›</a:t>
             </a:fld>
-            <a:endParaRPr lang="en-US"/>
+            <a:endParaRPr lang="en-US" dirty="0"/>
           </a:p>
         </p:txBody>
       </p:sp>
@@ -2515,7 +2546,7 @@
               <a:pPr/>
               <a:t>‹Nr.›</a:t>
             </a:fld>
-            <a:endParaRPr lang="en-US"/>
+            <a:endParaRPr lang="en-US" dirty="0"/>
           </a:p>
         </p:txBody>
       </p:sp>
@@ -3067,7 +3098,7 @@
               <a:pPr/>
               <a:t>‹Nr.›</a:t>
             </a:fld>
-            <a:endParaRPr lang="en-US"/>
+            <a:endParaRPr lang="en-US" dirty="0"/>
           </a:p>
         </p:txBody>
       </p:sp>
@@ -3149,7 +3180,7 @@
               <a:pPr/>
               <a:t>‹Nr.›</a:t>
             </a:fld>
-            <a:endParaRPr lang="en-US"/>
+            <a:endParaRPr lang="en-US" dirty="0"/>
           </a:p>
         </p:txBody>
       </p:sp>
@@ -3350,7 +3381,7 @@
               <a:pPr/>
               <a:t>‹Nr.›</a:t>
             </a:fld>
-            <a:endParaRPr lang="en-US"/>
+            <a:endParaRPr lang="en-US" dirty="0"/>
           </a:p>
         </p:txBody>
       </p:sp>
@@ -3837,7 +3868,7 @@
               <a:pPr/>
               <a:t>‹Nr.›</a:t>
             </a:fld>
-            <a:endParaRPr lang="en-US"/>
+            <a:endParaRPr lang="en-US" dirty="0"/>
           </a:p>
         </p:txBody>
       </p:sp>
@@ -3919,7 +3950,7 @@
               <a:pPr/>
               <a:t>‹Nr.›</a:t>
             </a:fld>
-            <a:endParaRPr lang="en-US"/>
+            <a:endParaRPr lang="en-US" dirty="0"/>
           </a:p>
         </p:txBody>
       </p:sp>
@@ -4117,7 +4148,7 @@
               <a:pPr/>
               <a:t>‹Nr.›</a:t>
             </a:fld>
-            <a:endParaRPr lang="en-US"/>
+            <a:endParaRPr lang="en-US" dirty="0"/>
           </a:p>
         </p:txBody>
       </p:sp>
@@ -4547,6 +4578,1602 @@
 </p:sld>
 </file>
 
+<file path=ppt/slides/slide10.xml><?xml version="1.0" encoding="utf-8"?>
+<p:sld xmlns:a="http://schemas.openxmlformats.org/drawingml/2006/main" xmlns:r="http://schemas.openxmlformats.org/officeDocument/2006/relationships" xmlns:p="http://schemas.openxmlformats.org/presentationml/2006/main">
+  <p:cSld>
+    <p:spTree>
+      <p:nvGrpSpPr>
+        <p:cNvPr id="1" name=""/>
+        <p:cNvGrpSpPr/>
+        <p:nvPr/>
+      </p:nvGrpSpPr>
+      <p:grpSpPr>
+        <a:xfrm>
+          <a:off x="0" y="0"/>
+          <a:ext cx="0" cy="0"/>
+          <a:chOff x="0" y="0"/>
+          <a:chExt cx="0" cy="0"/>
+        </a:xfrm>
+      </p:grpSpPr>
+      <p:sp>
+        <p:nvSpPr>
+          <p:cNvPr id="2" name="Titel 1"/>
+          <p:cNvSpPr>
+            <a:spLocks noGrp="1"/>
+          </p:cNvSpPr>
+          <p:nvPr>
+            <p:ph type="title"/>
+          </p:nvPr>
+        </p:nvSpPr>
+        <p:spPr/>
+        <p:txBody>
+          <a:bodyPr/>
+          <a:lstStyle/>
+          <a:p>
+            <a:r>
+              <a:rPr lang="de-DE" dirty="0" smtClean="0"/>
+              <a:t>Entity Framework - Aufbau</a:t>
+            </a:r>
+            <a:endParaRPr lang="de-DE" dirty="0"/>
+          </a:p>
+        </p:txBody>
+      </p:sp>
+      <p:sp>
+        <p:nvSpPr>
+          <p:cNvPr id="3" name="Inhaltsplatzhalter 2"/>
+          <p:cNvSpPr>
+            <a:spLocks noGrp="1"/>
+          </p:cNvSpPr>
+          <p:nvPr>
+            <p:ph idx="1"/>
+          </p:nvPr>
+        </p:nvSpPr>
+        <p:spPr/>
+        <p:txBody>
+          <a:bodyPr/>
+          <a:lstStyle/>
+          <a:p>
+            <a:r>
+              <a:rPr lang="de-DE" dirty="0" smtClean="0"/>
+              <a:t>Entity</a:t>
+            </a:r>
+          </a:p>
+          <a:p>
+            <a:pPr lvl="1"/>
+            <a:r>
+              <a:rPr lang="de-DE" dirty="0" smtClean="0"/>
+              <a:t>Entsprechen den Tabellen in der Datenbank</a:t>
+            </a:r>
+          </a:p>
+          <a:p>
+            <a:pPr lvl="1"/>
+            <a:r>
+              <a:rPr lang="de-DE" dirty="0" smtClean="0"/>
+              <a:t>Eigenschaften der Entities = Spalten der Tabellen</a:t>
+            </a:r>
+          </a:p>
+          <a:p>
+            <a:r>
+              <a:rPr lang="de-DE" dirty="0" smtClean="0"/>
+              <a:t>Relationship</a:t>
+            </a:r>
+          </a:p>
+          <a:p>
+            <a:pPr lvl="1"/>
+            <a:r>
+              <a:rPr lang="de-DE" dirty="0" smtClean="0"/>
+              <a:t>Entsprechen den Fremdschlüsselbeziehungen in der Datenbank</a:t>
+            </a:r>
+          </a:p>
+          <a:p>
+            <a:r>
+              <a:rPr lang="de-DE" dirty="0" smtClean="0"/>
+              <a:t>Context</a:t>
+            </a:r>
+          </a:p>
+          <a:p>
+            <a:pPr lvl="1"/>
+            <a:r>
+              <a:rPr lang="de-DE" dirty="0" smtClean="0"/>
+              <a:t>Stellt den Zugriff auf die Datenbank dar</a:t>
+            </a:r>
+          </a:p>
+          <a:p>
+            <a:pPr lvl="1"/>
+            <a:r>
+              <a:rPr lang="de-DE" dirty="0" smtClean="0"/>
+              <a:t>Abfrage von Daten (SELECT)</a:t>
+            </a:r>
+          </a:p>
+          <a:p>
+            <a:pPr lvl="1"/>
+            <a:r>
+              <a:rPr lang="de-DE" dirty="0" smtClean="0"/>
+              <a:t>Einfügen, löschen und aktualisieren von Datensätzen (INSERT, UPDATE, DELETE)</a:t>
+            </a:r>
+            <a:endParaRPr lang="de-DE" dirty="0"/>
+          </a:p>
+        </p:txBody>
+      </p:sp>
+      <p:sp>
+        <p:nvSpPr>
+          <p:cNvPr id="4" name="Foliennummernplatzhalter 3"/>
+          <p:cNvSpPr>
+            <a:spLocks noGrp="1"/>
+          </p:cNvSpPr>
+          <p:nvPr>
+            <p:ph type="sldNum" sz="quarter" idx="12"/>
+          </p:nvPr>
+        </p:nvSpPr>
+        <p:spPr/>
+        <p:txBody>
+          <a:bodyPr/>
+          <a:lstStyle/>
+          <a:p>
+            <a:fld id="{8F35CB8A-22DD-4279-9E9E-A49CDB5FBE56}" type="slidenum">
+              <a:rPr lang="en-US" smtClean="0"/>
+              <a:pPr/>
+              <a:t>10</a:t>
+            </a:fld>
+            <a:endParaRPr lang="en-US" dirty="0"/>
+          </a:p>
+        </p:txBody>
+      </p:sp>
+    </p:spTree>
+    <p:extLst>
+      <p:ext uri="{BB962C8B-B14F-4D97-AF65-F5344CB8AC3E}">
+        <p14:creationId xmlns:p14="http://schemas.microsoft.com/office/powerpoint/2010/main" val="3235822990"/>
+      </p:ext>
+    </p:extLst>
+  </p:cSld>
+  <p:clrMapOvr>
+    <a:masterClrMapping/>
+  </p:clrMapOvr>
+  <p:timing>
+    <p:tnLst>
+      <p:par>
+        <p:cTn id="1" dur="indefinite" restart="never" nodeType="tmRoot"/>
+      </p:par>
+    </p:tnLst>
+  </p:timing>
+</p:sld>
+</file>
+
+<file path=ppt/slides/slide11.xml><?xml version="1.0" encoding="utf-8"?>
+<p:sld xmlns:a="http://schemas.openxmlformats.org/drawingml/2006/main" xmlns:r="http://schemas.openxmlformats.org/officeDocument/2006/relationships" xmlns:p="http://schemas.openxmlformats.org/presentationml/2006/main">
+  <p:cSld>
+    <p:spTree>
+      <p:nvGrpSpPr>
+        <p:cNvPr id="1" name=""/>
+        <p:cNvGrpSpPr/>
+        <p:nvPr/>
+      </p:nvGrpSpPr>
+      <p:grpSpPr>
+        <a:xfrm>
+          <a:off x="0" y="0"/>
+          <a:ext cx="0" cy="0"/>
+          <a:chOff x="0" y="0"/>
+          <a:chExt cx="0" cy="0"/>
+        </a:xfrm>
+      </p:grpSpPr>
+      <p:sp>
+        <p:nvSpPr>
+          <p:cNvPr id="2" name="Titel 1"/>
+          <p:cNvSpPr>
+            <a:spLocks noGrp="1"/>
+          </p:cNvSpPr>
+          <p:nvPr>
+            <p:ph type="title"/>
+          </p:nvPr>
+        </p:nvSpPr>
+        <p:spPr/>
+        <p:txBody>
+          <a:bodyPr/>
+          <a:lstStyle/>
+          <a:p>
+            <a:r>
+              <a:rPr lang="de-DE" dirty="0" smtClean="0"/>
+              <a:t>Übersicht über verschiedene Approaches</a:t>
+            </a:r>
+            <a:endParaRPr lang="de-DE" dirty="0"/>
+          </a:p>
+        </p:txBody>
+      </p:sp>
+      <p:sp>
+        <p:nvSpPr>
+          <p:cNvPr id="3" name="Inhaltsplatzhalter 2"/>
+          <p:cNvSpPr>
+            <a:spLocks noGrp="1"/>
+          </p:cNvSpPr>
+          <p:nvPr>
+            <p:ph idx="1"/>
+          </p:nvPr>
+        </p:nvSpPr>
+        <p:spPr/>
+        <p:txBody>
+          <a:bodyPr/>
+          <a:lstStyle/>
+          <a:p>
+            <a:r>
+              <a:rPr lang="de-DE" dirty="0" smtClean="0"/>
+              <a:t>Vier verschiedene Approaches</a:t>
+            </a:r>
+          </a:p>
+          <a:p>
+            <a:r>
+              <a:rPr lang="de-DE" dirty="0" smtClean="0"/>
+              <a:t>Abhängig davon ob</a:t>
+            </a:r>
+          </a:p>
+          <a:p>
+            <a:pPr lvl="1"/>
+            <a:r>
+              <a:rPr lang="de-DE" dirty="0" smtClean="0"/>
+              <a:t>Datenbank vorhanden ist oder nicht</a:t>
+            </a:r>
+          </a:p>
+          <a:p>
+            <a:pPr lvl="1"/>
+            <a:r>
+              <a:rPr lang="de-DE" dirty="0" smtClean="0"/>
+              <a:t>Benutzer Code oder Designer Code bevorzugt</a:t>
+            </a:r>
+          </a:p>
+          <a:p>
+            <a:endParaRPr lang="de-DE" dirty="0"/>
+          </a:p>
+          <a:p>
+            <a:endParaRPr lang="de-DE" dirty="0" smtClean="0"/>
+          </a:p>
+          <a:p>
+            <a:endParaRPr lang="de-DE" dirty="0"/>
+          </a:p>
+          <a:p>
+            <a:endParaRPr lang="de-DE" dirty="0" smtClean="0"/>
+          </a:p>
+          <a:p>
+            <a:endParaRPr lang="de-DE" dirty="0"/>
+          </a:p>
+          <a:p>
+            <a:endParaRPr lang="de-DE" dirty="0" smtClean="0"/>
+          </a:p>
+          <a:p>
+            <a:endParaRPr lang="de-DE" dirty="0"/>
+          </a:p>
+          <a:p>
+            <a:pPr marL="0" indent="0">
+              <a:buNone/>
+            </a:pPr>
+            <a:endParaRPr lang="de-DE" dirty="0"/>
+          </a:p>
+          <a:p>
+            <a:pPr marL="0" indent="0">
+              <a:buNone/>
+            </a:pPr>
+            <a:r>
+              <a:rPr lang="de-DE" dirty="0" smtClean="0"/>
+              <a:t>*) Benötigt zusätzliche Software: Entity Framework Tools </a:t>
+            </a:r>
+            <a:r>
+              <a:rPr lang="de-DE" dirty="0" smtClean="0"/>
+              <a:t>for</a:t>
+            </a:r>
+            <a:r>
+              <a:rPr lang="de-DE" dirty="0" smtClean="0"/>
+              <a:t> Visual Studio</a:t>
+            </a:r>
+          </a:p>
+          <a:p>
+            <a:pPr lvl="1"/>
+            <a:endParaRPr lang="de-DE" dirty="0"/>
+          </a:p>
+          <a:p>
+            <a:pPr lvl="1"/>
+            <a:endParaRPr lang="de-DE" dirty="0" smtClean="0"/>
+          </a:p>
+          <a:p>
+            <a:pPr lvl="1"/>
+            <a:endParaRPr lang="de-DE" dirty="0"/>
+          </a:p>
+          <a:p>
+            <a:pPr lvl="1"/>
+            <a:endParaRPr lang="de-DE" dirty="0" smtClean="0"/>
+          </a:p>
+          <a:p>
+            <a:pPr lvl="1"/>
+            <a:endParaRPr lang="de-DE" dirty="0"/>
+          </a:p>
+          <a:p>
+            <a:pPr lvl="1"/>
+            <a:endParaRPr lang="de-DE" dirty="0" smtClean="0"/>
+          </a:p>
+          <a:p>
+            <a:pPr lvl="1"/>
+            <a:endParaRPr lang="de-DE" dirty="0"/>
+          </a:p>
+          <a:p>
+            <a:pPr lvl="1"/>
+            <a:endParaRPr lang="de-DE" dirty="0" smtClean="0"/>
+          </a:p>
+          <a:p>
+            <a:pPr lvl="1"/>
+            <a:endParaRPr lang="de-DE" dirty="0"/>
+          </a:p>
+          <a:p>
+            <a:pPr marL="457166" lvl="1" indent="0">
+              <a:buNone/>
+            </a:pPr>
+            <a:endParaRPr lang="de-DE" dirty="0"/>
+          </a:p>
+          <a:p>
+            <a:pPr marL="0" indent="-55558">
+              <a:buNone/>
+            </a:pPr>
+            <a:r>
+              <a:rPr lang="de-DE" dirty="0" smtClean="0"/>
+              <a:t>	</a:t>
+            </a:r>
+          </a:p>
+          <a:p>
+            <a:pPr lvl="1"/>
+            <a:endParaRPr lang="de-DE" dirty="0" smtClean="0"/>
+          </a:p>
+          <a:p>
+            <a:endParaRPr lang="de-DE" dirty="0" smtClean="0"/>
+          </a:p>
+        </p:txBody>
+      </p:sp>
+      <p:sp>
+        <p:nvSpPr>
+          <p:cNvPr id="4" name="Foliennummernplatzhalter 3"/>
+          <p:cNvSpPr>
+            <a:spLocks noGrp="1"/>
+          </p:cNvSpPr>
+          <p:nvPr>
+            <p:ph type="sldNum" sz="quarter" idx="12"/>
+          </p:nvPr>
+        </p:nvSpPr>
+        <p:spPr/>
+        <p:txBody>
+          <a:bodyPr/>
+          <a:lstStyle/>
+          <a:p>
+            <a:fld id="{8F35CB8A-22DD-4279-9E9E-A49CDB5FBE56}" type="slidenum">
+              <a:rPr lang="en-US" smtClean="0"/>
+              <a:pPr/>
+              <a:t>11</a:t>
+            </a:fld>
+            <a:endParaRPr lang="en-US" dirty="0"/>
+          </a:p>
+        </p:txBody>
+      </p:sp>
+      <p:graphicFrame>
+        <p:nvGraphicFramePr>
+          <p:cNvPr id="5" name="Tabelle 4"/>
+          <p:cNvGraphicFramePr>
+            <a:graphicFrameLocks noGrp="1"/>
+          </p:cNvGraphicFramePr>
+          <p:nvPr>
+            <p:extLst>
+              <p:ext uri="{D42A27DB-BD31-4B8C-83A1-F6EECF244321}">
+                <p14:modId xmlns:p14="http://schemas.microsoft.com/office/powerpoint/2010/main" val="2005404327"/>
+              </p:ext>
+            </p:extLst>
+          </p:nvPr>
+        </p:nvGraphicFramePr>
+        <p:xfrm>
+          <a:off x="595313" y="2808029"/>
+          <a:ext cx="10960101" cy="2479588"/>
+        </p:xfrm>
+        <a:graphic>
+          <a:graphicData uri="http://schemas.openxmlformats.org/drawingml/2006/table">
+            <a:tbl>
+              <a:tblPr firstRow="1" bandRow="1">
+                <a:tableStyleId>{0660B408-B3CF-4A94-85FC-2B1E0A45F4A2}</a:tableStyleId>
+              </a:tblPr>
+              <a:tblGrid>
+                <a:gridCol w="3653367"/>
+                <a:gridCol w="3653367"/>
+                <a:gridCol w="3653367"/>
+              </a:tblGrid>
+              <a:tr h="657850">
+                <a:tc>
+                  <a:txBody>
+                    <a:bodyPr/>
+                    <a:lstStyle/>
+                    <a:p>
+                      <a:pPr algn="ctr"/>
+                      <a:r>
+                        <a:rPr lang="de-DE" sz="2000" b="1" dirty="0" smtClean="0"/>
+                        <a:t>Datenbank</a:t>
+                      </a:r>
+                      <a:endParaRPr lang="de-DE" sz="2000" b="1" dirty="0"/>
+                    </a:p>
+                  </a:txBody>
+                  <a:tcPr/>
+                </a:tc>
+                <a:tc gridSpan="2">
+                  <a:txBody>
+                    <a:bodyPr/>
+                    <a:lstStyle/>
+                    <a:p>
+                      <a:pPr algn="ctr"/>
+                      <a:r>
+                        <a:rPr lang="de-DE" sz="2000" b="1" dirty="0" smtClean="0"/>
+                        <a:t>Approach</a:t>
+                      </a:r>
+                      <a:endParaRPr lang="de-DE" sz="2000" b="1" dirty="0"/>
+                    </a:p>
+                  </a:txBody>
+                  <a:tcPr/>
+                </a:tc>
+                <a:tc hMerge="1">
+                  <a:txBody>
+                    <a:bodyPr/>
+                    <a:lstStyle/>
+                    <a:p>
+                      <a:endParaRPr lang="de-DE" dirty="0"/>
+                    </a:p>
+                  </a:txBody>
+                  <a:tcPr/>
+                </a:tc>
+              </a:tr>
+              <a:tr h="657850">
+                <a:tc>
+                  <a:txBody>
+                    <a:bodyPr/>
+                    <a:lstStyle/>
+                    <a:p>
+                      <a:pPr algn="ctr"/>
+                      <a:r>
+                        <a:rPr lang="de-DE" sz="2000" b="1" dirty="0" smtClean="0"/>
+                        <a:t>Nicht vorhanden</a:t>
+                      </a:r>
+                      <a:endParaRPr lang="de-DE" sz="2000" b="1" dirty="0"/>
+                    </a:p>
+                  </a:txBody>
+                  <a:tcPr/>
+                </a:tc>
+                <a:tc>
+                  <a:txBody>
+                    <a:bodyPr/>
+                    <a:lstStyle/>
+                    <a:p>
+                      <a:pPr algn="ctr"/>
+                      <a:r>
+                        <a:rPr lang="de-DE" sz="2000" b="1" dirty="0" smtClean="0"/>
+                        <a:t>Code First</a:t>
+                      </a:r>
+                      <a:endParaRPr lang="de-DE" sz="2000" b="1" dirty="0"/>
+                    </a:p>
+                  </a:txBody>
+                  <a:tcPr/>
+                </a:tc>
+                <a:tc>
+                  <a:txBody>
+                    <a:bodyPr/>
+                    <a:lstStyle/>
+                    <a:p>
+                      <a:pPr algn="ctr"/>
+                      <a:r>
+                        <a:rPr lang="de-DE" sz="2000" b="1" dirty="0" smtClean="0"/>
+                        <a:t>Model First</a:t>
+                      </a:r>
+                      <a:endParaRPr lang="de-DE" sz="2000" b="1" dirty="0"/>
+                    </a:p>
+                  </a:txBody>
+                  <a:tcPr/>
+                </a:tc>
+              </a:tr>
+              <a:tr h="1163888">
+                <a:tc>
+                  <a:txBody>
+                    <a:bodyPr/>
+                    <a:lstStyle/>
+                    <a:p>
+                      <a:pPr algn="ctr"/>
+                      <a:r>
+                        <a:rPr lang="de-DE" sz="2000" b="1" dirty="0" smtClean="0"/>
+                        <a:t>Vorhanden</a:t>
+                      </a:r>
+                      <a:endParaRPr lang="de-DE" sz="2000" b="1" dirty="0"/>
+                    </a:p>
+                  </a:txBody>
+                  <a:tcPr/>
+                </a:tc>
+                <a:tc>
+                  <a:txBody>
+                    <a:bodyPr/>
+                    <a:lstStyle/>
+                    <a:p>
+                      <a:pPr algn="ctr"/>
+                      <a:r>
+                        <a:rPr lang="de-DE" sz="2000" b="1" dirty="0" smtClean="0"/>
+                        <a:t>Reverse Engineering Code First*</a:t>
+                      </a:r>
+                      <a:endParaRPr lang="de-DE" sz="2000" b="1" dirty="0"/>
+                    </a:p>
+                  </a:txBody>
+                  <a:tcPr/>
+                </a:tc>
+                <a:tc>
+                  <a:txBody>
+                    <a:bodyPr/>
+                    <a:lstStyle/>
+                    <a:p>
+                      <a:pPr algn="ctr"/>
+                      <a:r>
+                        <a:rPr lang="de-DE" sz="2000" b="1" dirty="0" smtClean="0"/>
+                        <a:t>Database First</a:t>
+                      </a:r>
+                      <a:endParaRPr lang="de-DE" sz="2000" b="1" dirty="0"/>
+                    </a:p>
+                  </a:txBody>
+                  <a:tcPr/>
+                </a:tc>
+              </a:tr>
+            </a:tbl>
+          </a:graphicData>
+        </a:graphic>
+      </p:graphicFrame>
+    </p:spTree>
+    <p:extLst>
+      <p:ext uri="{BB962C8B-B14F-4D97-AF65-F5344CB8AC3E}">
+        <p14:creationId xmlns:p14="http://schemas.microsoft.com/office/powerpoint/2010/main" val="2501208158"/>
+      </p:ext>
+    </p:extLst>
+  </p:cSld>
+  <p:clrMapOvr>
+    <a:masterClrMapping/>
+  </p:clrMapOvr>
+  <p:timing>
+    <p:tnLst>
+      <p:par>
+        <p:cTn id="1" dur="indefinite" restart="never" nodeType="tmRoot"/>
+      </p:par>
+    </p:tnLst>
+  </p:timing>
+</p:sld>
+</file>
+
+<file path=ppt/slides/slide12.xml><?xml version="1.0" encoding="utf-8"?>
+<p:sld xmlns:a="http://schemas.openxmlformats.org/drawingml/2006/main" xmlns:r="http://schemas.openxmlformats.org/officeDocument/2006/relationships" xmlns:p="http://schemas.openxmlformats.org/presentationml/2006/main">
+  <p:cSld>
+    <p:spTree>
+      <p:nvGrpSpPr>
+        <p:cNvPr id="1" name=""/>
+        <p:cNvGrpSpPr/>
+        <p:nvPr/>
+      </p:nvGrpSpPr>
+      <p:grpSpPr>
+        <a:xfrm>
+          <a:off x="0" y="0"/>
+          <a:ext cx="0" cy="0"/>
+          <a:chOff x="0" y="0"/>
+          <a:chExt cx="0" cy="0"/>
+        </a:xfrm>
+      </p:grpSpPr>
+      <p:sp>
+        <p:nvSpPr>
+          <p:cNvPr id="2" name="Titel 1"/>
+          <p:cNvSpPr>
+            <a:spLocks noGrp="1"/>
+          </p:cNvSpPr>
+          <p:nvPr>
+            <p:ph type="title"/>
+          </p:nvPr>
+        </p:nvSpPr>
+        <p:spPr/>
+        <p:txBody>
+          <a:bodyPr/>
+          <a:lstStyle/>
+          <a:p>
+            <a:r>
+              <a:rPr lang="de-DE" dirty="0" smtClean="0"/>
+              <a:t>Installation des Entity Frameworks</a:t>
+            </a:r>
+            <a:endParaRPr lang="de-DE" dirty="0"/>
+          </a:p>
+        </p:txBody>
+      </p:sp>
+      <p:sp>
+        <p:nvSpPr>
+          <p:cNvPr id="3" name="Inhaltsplatzhalter 2"/>
+          <p:cNvSpPr>
+            <a:spLocks noGrp="1"/>
+          </p:cNvSpPr>
+          <p:nvPr>
+            <p:ph idx="1"/>
+          </p:nvPr>
+        </p:nvSpPr>
+        <p:spPr/>
+        <p:txBody>
+          <a:bodyPr/>
+          <a:lstStyle/>
+          <a:p>
+            <a:r>
+              <a:rPr lang="de-DE" dirty="0" smtClean="0"/>
+              <a:t>NuGet-Paket-Manager</a:t>
+            </a:r>
+          </a:p>
+          <a:p>
+            <a:pPr lvl="1"/>
+            <a:r>
+              <a:rPr lang="de-DE" dirty="0" smtClean="0"/>
+              <a:t>ab Visual Studio 2012 bereits installiert</a:t>
+            </a:r>
+          </a:p>
+          <a:p>
+            <a:r>
+              <a:rPr lang="de-DE" dirty="0" smtClean="0"/>
+              <a:t>Entity Framework als NuGet-Paket verfügbar</a:t>
+            </a:r>
+          </a:p>
+          <a:p>
+            <a:pPr lvl="1"/>
+            <a:r>
+              <a:rPr lang="de-DE" dirty="0" smtClean="0"/>
+              <a:t>Installation über den NuGet-Paket Manager</a:t>
+            </a:r>
+          </a:p>
+          <a:p>
+            <a:pPr lvl="1"/>
+            <a:r>
+              <a:rPr lang="de-DE" dirty="0" smtClean="0"/>
+              <a:t>Alternativ Paket Manager Konsole</a:t>
+            </a:r>
+          </a:p>
+          <a:p>
+            <a:pPr lvl="1"/>
+            <a:endParaRPr lang="de-DE" dirty="0"/>
+          </a:p>
+        </p:txBody>
+      </p:sp>
+      <p:sp>
+        <p:nvSpPr>
+          <p:cNvPr id="4" name="Foliennummernplatzhalter 3"/>
+          <p:cNvSpPr>
+            <a:spLocks noGrp="1"/>
+          </p:cNvSpPr>
+          <p:nvPr>
+            <p:ph type="sldNum" sz="quarter" idx="12"/>
+          </p:nvPr>
+        </p:nvSpPr>
+        <p:spPr/>
+        <p:txBody>
+          <a:bodyPr/>
+          <a:lstStyle/>
+          <a:p>
+            <a:fld id="{8F35CB8A-22DD-4279-9E9E-A49CDB5FBE56}" type="slidenum">
+              <a:rPr lang="en-US" smtClean="0"/>
+              <a:pPr/>
+              <a:t>12</a:t>
+            </a:fld>
+            <a:endParaRPr lang="en-US" dirty="0"/>
+          </a:p>
+        </p:txBody>
+      </p:sp>
+      <p:pic>
+        <p:nvPicPr>
+          <p:cNvPr id="5" name="Grafik 4"/>
+          <p:cNvPicPr>
+            <a:picLocks noChangeAspect="1"/>
+          </p:cNvPicPr>
+          <p:nvPr/>
+        </p:nvPicPr>
+        <p:blipFill>
+          <a:blip r:embed="rId2"/>
+          <a:stretch>
+            <a:fillRect/>
+          </a:stretch>
+        </p:blipFill>
+        <p:spPr>
+          <a:xfrm>
+            <a:off x="2099468" y="2991644"/>
+            <a:ext cx="7991475" cy="876300"/>
+          </a:xfrm>
+          <a:prstGeom prst="rect">
+            <a:avLst/>
+          </a:prstGeom>
+        </p:spPr>
+      </p:pic>
+    </p:spTree>
+    <p:extLst>
+      <p:ext uri="{BB962C8B-B14F-4D97-AF65-F5344CB8AC3E}">
+        <p14:creationId xmlns:p14="http://schemas.microsoft.com/office/powerpoint/2010/main" val="936055843"/>
+      </p:ext>
+    </p:extLst>
+  </p:cSld>
+  <p:clrMapOvr>
+    <a:masterClrMapping/>
+  </p:clrMapOvr>
+  <p:timing>
+    <p:tnLst>
+      <p:par>
+        <p:cTn id="1" dur="indefinite" restart="never" nodeType="tmRoot"/>
+      </p:par>
+    </p:tnLst>
+  </p:timing>
+</p:sld>
+</file>
+
+<file path=ppt/slides/slide13.xml><?xml version="1.0" encoding="utf-8"?>
+<p:sld xmlns:a="http://schemas.openxmlformats.org/drawingml/2006/main" xmlns:r="http://schemas.openxmlformats.org/officeDocument/2006/relationships" xmlns:p="http://schemas.openxmlformats.org/presentationml/2006/main">
+  <p:cSld>
+    <p:spTree>
+      <p:nvGrpSpPr>
+        <p:cNvPr id="1" name=""/>
+        <p:cNvGrpSpPr/>
+        <p:nvPr/>
+      </p:nvGrpSpPr>
+      <p:grpSpPr>
+        <a:xfrm>
+          <a:off x="0" y="0"/>
+          <a:ext cx="0" cy="0"/>
+          <a:chOff x="0" y="0"/>
+          <a:chExt cx="0" cy="0"/>
+        </a:xfrm>
+      </p:grpSpPr>
+      <p:sp>
+        <p:nvSpPr>
+          <p:cNvPr id="2" name="Titel 1"/>
+          <p:cNvSpPr>
+            <a:spLocks noGrp="1"/>
+          </p:cNvSpPr>
+          <p:nvPr>
+            <p:ph type="title"/>
+          </p:nvPr>
+        </p:nvSpPr>
+        <p:spPr/>
+        <p:txBody>
+          <a:bodyPr/>
+          <a:lstStyle/>
+          <a:p>
+            <a:r>
+              <a:rPr lang="de-DE" dirty="0" smtClean="0"/>
+              <a:t>Demo</a:t>
+            </a:r>
+            <a:endParaRPr lang="de-DE" dirty="0"/>
+          </a:p>
+        </p:txBody>
+      </p:sp>
+      <p:sp>
+        <p:nvSpPr>
+          <p:cNvPr id="3" name="Inhaltsplatzhalter 2"/>
+          <p:cNvSpPr>
+            <a:spLocks noGrp="1"/>
+          </p:cNvSpPr>
+          <p:nvPr>
+            <p:ph idx="1"/>
+          </p:nvPr>
+        </p:nvSpPr>
+        <p:spPr/>
+        <p:txBody>
+          <a:bodyPr/>
+          <a:lstStyle/>
+          <a:p>
+            <a:r>
+              <a:rPr lang="de-DE" dirty="0" smtClean="0"/>
+              <a:t>Installation des Entity Frameworks</a:t>
+            </a:r>
+          </a:p>
+          <a:p>
+            <a:r>
+              <a:rPr lang="de-DE" dirty="0" smtClean="0"/>
+              <a:t>Kurze Einführungsdemos in folgende Approaches</a:t>
+            </a:r>
+          </a:p>
+          <a:p>
+            <a:pPr lvl="1"/>
+            <a:r>
+              <a:rPr lang="de-DE" dirty="0" smtClean="0"/>
+              <a:t>Code First</a:t>
+            </a:r>
+          </a:p>
+          <a:p>
+            <a:pPr lvl="1"/>
+            <a:r>
+              <a:rPr lang="de-DE" dirty="0" smtClean="0"/>
+              <a:t>Database First</a:t>
+            </a:r>
+          </a:p>
+          <a:p>
+            <a:pPr lvl="1"/>
+            <a:r>
+              <a:rPr lang="de-DE" dirty="0" smtClean="0"/>
+              <a:t>Model First</a:t>
+            </a:r>
+            <a:endParaRPr lang="de-DE" dirty="0"/>
+          </a:p>
+        </p:txBody>
+      </p:sp>
+      <p:sp>
+        <p:nvSpPr>
+          <p:cNvPr id="4" name="Foliennummernplatzhalter 3"/>
+          <p:cNvSpPr>
+            <a:spLocks noGrp="1"/>
+          </p:cNvSpPr>
+          <p:nvPr>
+            <p:ph type="sldNum" sz="quarter" idx="12"/>
+          </p:nvPr>
+        </p:nvSpPr>
+        <p:spPr/>
+        <p:txBody>
+          <a:bodyPr/>
+          <a:lstStyle/>
+          <a:p>
+            <a:fld id="{8F35CB8A-22DD-4279-9E9E-A49CDB5FBE56}" type="slidenum">
+              <a:rPr lang="en-US" smtClean="0"/>
+              <a:pPr/>
+              <a:t>13</a:t>
+            </a:fld>
+            <a:endParaRPr lang="en-US" dirty="0"/>
+          </a:p>
+        </p:txBody>
+      </p:sp>
+    </p:spTree>
+    <p:extLst>
+      <p:ext uri="{BB962C8B-B14F-4D97-AF65-F5344CB8AC3E}">
+        <p14:creationId xmlns:p14="http://schemas.microsoft.com/office/powerpoint/2010/main" val="136536688"/>
+      </p:ext>
+    </p:extLst>
+  </p:cSld>
+  <p:clrMapOvr>
+    <a:masterClrMapping/>
+  </p:clrMapOvr>
+  <p:timing>
+    <p:tnLst>
+      <p:par>
+        <p:cTn id="1" dur="indefinite" restart="never" nodeType="tmRoot"/>
+      </p:par>
+    </p:tnLst>
+  </p:timing>
+</p:sld>
+</file>
+
+<file path=ppt/slides/slide14.xml><?xml version="1.0" encoding="utf-8"?>
+<p:sld xmlns:a="http://schemas.openxmlformats.org/drawingml/2006/main" xmlns:r="http://schemas.openxmlformats.org/officeDocument/2006/relationships" xmlns:p="http://schemas.openxmlformats.org/presentationml/2006/main">
+  <p:cSld>
+    <p:spTree>
+      <p:nvGrpSpPr>
+        <p:cNvPr id="1" name=""/>
+        <p:cNvGrpSpPr/>
+        <p:nvPr/>
+      </p:nvGrpSpPr>
+      <p:grpSpPr>
+        <a:xfrm>
+          <a:off x="0" y="0"/>
+          <a:ext cx="0" cy="0"/>
+          <a:chOff x="0" y="0"/>
+          <a:chExt cx="0" cy="0"/>
+        </a:xfrm>
+      </p:grpSpPr>
+      <p:sp>
+        <p:nvSpPr>
+          <p:cNvPr id="5" name="Titel 4"/>
+          <p:cNvSpPr>
+            <a:spLocks noGrp="1"/>
+          </p:cNvSpPr>
+          <p:nvPr>
+            <p:ph type="title"/>
+          </p:nvPr>
+        </p:nvSpPr>
+        <p:spPr/>
+        <p:txBody>
+          <a:bodyPr/>
+          <a:lstStyle/>
+          <a:p>
+            <a:r>
+              <a:rPr lang="de-DE" dirty="0" smtClean="0"/>
+              <a:t>Demo</a:t>
+            </a:r>
+            <a:endParaRPr lang="de-DE" dirty="0"/>
+          </a:p>
+        </p:txBody>
+      </p:sp>
+      <p:sp>
+        <p:nvSpPr>
+          <p:cNvPr id="6" name="Untertitel 5"/>
+          <p:cNvSpPr>
+            <a:spLocks noGrp="1"/>
+          </p:cNvSpPr>
+          <p:nvPr>
+            <p:ph type="subTitle" idx="1"/>
+          </p:nvPr>
+        </p:nvSpPr>
+        <p:spPr/>
+        <p:txBody>
+          <a:bodyPr/>
+          <a:lstStyle/>
+          <a:p>
+            <a:r>
+              <a:rPr lang="de-DE" dirty="0" smtClean="0"/>
+              <a:t>Code First</a:t>
+            </a:r>
+            <a:endParaRPr lang="de-DE" dirty="0"/>
+          </a:p>
+        </p:txBody>
+      </p:sp>
+      <p:sp>
+        <p:nvSpPr>
+          <p:cNvPr id="4" name="Foliennummernplatzhalter 3"/>
+          <p:cNvSpPr>
+            <a:spLocks noGrp="1"/>
+          </p:cNvSpPr>
+          <p:nvPr>
+            <p:ph type="sldNum" sz="quarter" idx="10"/>
+          </p:nvPr>
+        </p:nvSpPr>
+        <p:spPr/>
+        <p:txBody>
+          <a:bodyPr/>
+          <a:lstStyle/>
+          <a:p>
+            <a:fld id="{8F35CB8A-22DD-4279-9E9E-A49CDB5FBE56}" type="slidenum">
+              <a:rPr lang="en-US" smtClean="0"/>
+              <a:pPr/>
+              <a:t>14</a:t>
+            </a:fld>
+            <a:endParaRPr lang="en-US" dirty="0"/>
+          </a:p>
+        </p:txBody>
+      </p:sp>
+    </p:spTree>
+    <p:extLst>
+      <p:ext uri="{BB962C8B-B14F-4D97-AF65-F5344CB8AC3E}">
+        <p14:creationId xmlns:p14="http://schemas.microsoft.com/office/powerpoint/2010/main" val="354277497"/>
+      </p:ext>
+    </p:extLst>
+  </p:cSld>
+  <p:clrMapOvr>
+    <a:masterClrMapping/>
+  </p:clrMapOvr>
+  <p:timing>
+    <p:tnLst>
+      <p:par>
+        <p:cTn id="1" dur="indefinite" restart="never" nodeType="tmRoot"/>
+      </p:par>
+    </p:tnLst>
+  </p:timing>
+</p:sld>
+</file>
+
+<file path=ppt/slides/slide15.xml><?xml version="1.0" encoding="utf-8"?>
+<p:sld xmlns:a="http://schemas.openxmlformats.org/drawingml/2006/main" xmlns:r="http://schemas.openxmlformats.org/officeDocument/2006/relationships" xmlns:p="http://schemas.openxmlformats.org/presentationml/2006/main">
+  <p:cSld>
+    <p:spTree>
+      <p:nvGrpSpPr>
+        <p:cNvPr id="1" name=""/>
+        <p:cNvGrpSpPr/>
+        <p:nvPr/>
+      </p:nvGrpSpPr>
+      <p:grpSpPr>
+        <a:xfrm>
+          <a:off x="0" y="0"/>
+          <a:ext cx="0" cy="0"/>
+          <a:chOff x="0" y="0"/>
+          <a:chExt cx="0" cy="0"/>
+        </a:xfrm>
+      </p:grpSpPr>
+      <p:sp>
+        <p:nvSpPr>
+          <p:cNvPr id="2" name="Titel 1"/>
+          <p:cNvSpPr>
+            <a:spLocks noGrp="1"/>
+          </p:cNvSpPr>
+          <p:nvPr>
+            <p:ph type="title"/>
+          </p:nvPr>
+        </p:nvSpPr>
+        <p:spPr/>
+        <p:txBody>
+          <a:bodyPr/>
+          <a:lstStyle/>
+          <a:p>
+            <a:r>
+              <a:rPr lang="de-DE" dirty="0" smtClean="0"/>
+              <a:t>Recap: Code First</a:t>
+            </a:r>
+            <a:endParaRPr lang="de-DE" dirty="0"/>
+          </a:p>
+        </p:txBody>
+      </p:sp>
+      <p:sp>
+        <p:nvSpPr>
+          <p:cNvPr id="3" name="Inhaltsplatzhalter 2"/>
+          <p:cNvSpPr>
+            <a:spLocks noGrp="1"/>
+          </p:cNvSpPr>
+          <p:nvPr>
+            <p:ph idx="1"/>
+          </p:nvPr>
+        </p:nvSpPr>
+        <p:spPr/>
+        <p:txBody>
+          <a:bodyPr/>
+          <a:lstStyle/>
+          <a:p>
+            <a:r>
+              <a:rPr lang="de-DE" dirty="0" smtClean="0"/>
+              <a:t>Entity Framework mit NuGet-Paket-Manager installieren</a:t>
+            </a:r>
+          </a:p>
+          <a:p>
+            <a:r>
+              <a:rPr lang="de-DE" dirty="0" smtClean="0"/>
+              <a:t>Für jede Entity eine Klasse erstellen</a:t>
+            </a:r>
+          </a:p>
+          <a:p>
+            <a:pPr lvl="1"/>
+            <a:r>
+              <a:rPr lang="de-DE" dirty="0" smtClean="0"/>
+              <a:t>Eigenschaften der Klassen können verschiedene Datentypen sein</a:t>
+            </a:r>
+          </a:p>
+          <a:p>
+            <a:pPr lvl="2"/>
+            <a:r>
+              <a:rPr lang="de-DE" dirty="0" smtClean="0"/>
+              <a:t>int, string, double, float, DateTime, TimeSpan, byte[]</a:t>
+            </a:r>
+          </a:p>
+          <a:p>
+            <a:pPr lvl="1"/>
+            <a:r>
+              <a:rPr lang="de-DE" dirty="0" smtClean="0"/>
+              <a:t>Fremdschlüsselbeziehungen werden über Namen inferiert</a:t>
+            </a:r>
+          </a:p>
+          <a:p>
+            <a:r>
+              <a:rPr lang="de-DE" dirty="0" smtClean="0"/>
+              <a:t>Eine Klasse, die von DbContext erbt, erstellen</a:t>
+            </a:r>
+          </a:p>
+          <a:p>
+            <a:pPr lvl="1"/>
+            <a:r>
+              <a:rPr lang="de-DE" dirty="0" smtClean="0"/>
+              <a:t>Für jede Entity T eine Eigenschaft DbSet&lt;T&gt; hinzufügen</a:t>
+            </a:r>
+          </a:p>
+          <a:p>
+            <a:pPr lvl="1"/>
+            <a:r>
+              <a:rPr lang="de-DE" dirty="0" smtClean="0"/>
+              <a:t>Nach Datenbankoperationen SaveChanges() aufrufen</a:t>
+            </a:r>
+          </a:p>
+        </p:txBody>
+      </p:sp>
+      <p:sp>
+        <p:nvSpPr>
+          <p:cNvPr id="4" name="Foliennummernplatzhalter 3"/>
+          <p:cNvSpPr>
+            <a:spLocks noGrp="1"/>
+          </p:cNvSpPr>
+          <p:nvPr>
+            <p:ph type="sldNum" sz="quarter" idx="12"/>
+          </p:nvPr>
+        </p:nvSpPr>
+        <p:spPr/>
+        <p:txBody>
+          <a:bodyPr/>
+          <a:lstStyle/>
+          <a:p>
+            <a:fld id="{8F35CB8A-22DD-4279-9E9E-A49CDB5FBE56}" type="slidenum">
+              <a:rPr lang="en-US" smtClean="0"/>
+              <a:pPr/>
+              <a:t>15</a:t>
+            </a:fld>
+            <a:endParaRPr lang="en-US" dirty="0"/>
+          </a:p>
+        </p:txBody>
+      </p:sp>
+    </p:spTree>
+    <p:extLst>
+      <p:ext uri="{BB962C8B-B14F-4D97-AF65-F5344CB8AC3E}">
+        <p14:creationId xmlns:p14="http://schemas.microsoft.com/office/powerpoint/2010/main" val="2153270729"/>
+      </p:ext>
+    </p:extLst>
+  </p:cSld>
+  <p:clrMapOvr>
+    <a:masterClrMapping/>
+  </p:clrMapOvr>
+  <p:timing>
+    <p:tnLst>
+      <p:par>
+        <p:cTn id="1" dur="indefinite" restart="never" nodeType="tmRoot"/>
+      </p:par>
+    </p:tnLst>
+  </p:timing>
+</p:sld>
+</file>
+
+<file path=ppt/slides/slide16.xml><?xml version="1.0" encoding="utf-8"?>
+<p:sld xmlns:a="http://schemas.openxmlformats.org/drawingml/2006/main" xmlns:r="http://schemas.openxmlformats.org/officeDocument/2006/relationships" xmlns:p="http://schemas.openxmlformats.org/presentationml/2006/main">
+  <p:cSld>
+    <p:spTree>
+      <p:nvGrpSpPr>
+        <p:cNvPr id="1" name=""/>
+        <p:cNvGrpSpPr/>
+        <p:nvPr/>
+      </p:nvGrpSpPr>
+      <p:grpSpPr>
+        <a:xfrm>
+          <a:off x="0" y="0"/>
+          <a:ext cx="0" cy="0"/>
+          <a:chOff x="0" y="0"/>
+          <a:chExt cx="0" cy="0"/>
+        </a:xfrm>
+      </p:grpSpPr>
+      <p:sp>
+        <p:nvSpPr>
+          <p:cNvPr id="5" name="Titel 4"/>
+          <p:cNvSpPr>
+            <a:spLocks noGrp="1"/>
+          </p:cNvSpPr>
+          <p:nvPr>
+            <p:ph type="title"/>
+          </p:nvPr>
+        </p:nvSpPr>
+        <p:spPr/>
+        <p:txBody>
+          <a:bodyPr/>
+          <a:lstStyle/>
+          <a:p>
+            <a:r>
+              <a:rPr lang="de-DE" dirty="0" smtClean="0"/>
+              <a:t>Demo</a:t>
+            </a:r>
+            <a:endParaRPr lang="de-DE" dirty="0"/>
+          </a:p>
+        </p:txBody>
+      </p:sp>
+      <p:sp>
+        <p:nvSpPr>
+          <p:cNvPr id="6" name="Untertitel 5"/>
+          <p:cNvSpPr>
+            <a:spLocks noGrp="1"/>
+          </p:cNvSpPr>
+          <p:nvPr>
+            <p:ph type="subTitle" idx="1"/>
+          </p:nvPr>
+        </p:nvSpPr>
+        <p:spPr/>
+        <p:txBody>
+          <a:bodyPr/>
+          <a:lstStyle/>
+          <a:p>
+            <a:r>
+              <a:rPr lang="de-DE" dirty="0" smtClean="0"/>
+              <a:t>Database First</a:t>
+            </a:r>
+            <a:endParaRPr lang="de-DE" dirty="0"/>
+          </a:p>
+        </p:txBody>
+      </p:sp>
+      <p:sp>
+        <p:nvSpPr>
+          <p:cNvPr id="4" name="Foliennummernplatzhalter 3"/>
+          <p:cNvSpPr>
+            <a:spLocks noGrp="1"/>
+          </p:cNvSpPr>
+          <p:nvPr>
+            <p:ph type="sldNum" sz="quarter" idx="10"/>
+          </p:nvPr>
+        </p:nvSpPr>
+        <p:spPr/>
+        <p:txBody>
+          <a:bodyPr/>
+          <a:lstStyle/>
+          <a:p>
+            <a:fld id="{8F35CB8A-22DD-4279-9E9E-A49CDB5FBE56}" type="slidenum">
+              <a:rPr lang="en-US" smtClean="0"/>
+              <a:pPr/>
+              <a:t>16</a:t>
+            </a:fld>
+            <a:endParaRPr lang="en-US" dirty="0"/>
+          </a:p>
+        </p:txBody>
+      </p:sp>
+    </p:spTree>
+    <p:extLst>
+      <p:ext uri="{BB962C8B-B14F-4D97-AF65-F5344CB8AC3E}">
+        <p14:creationId xmlns:p14="http://schemas.microsoft.com/office/powerpoint/2010/main" val="1409376539"/>
+      </p:ext>
+    </p:extLst>
+  </p:cSld>
+  <p:clrMapOvr>
+    <a:masterClrMapping/>
+  </p:clrMapOvr>
+  <p:timing>
+    <p:tnLst>
+      <p:par>
+        <p:cTn id="1" dur="indefinite" restart="never" nodeType="tmRoot"/>
+      </p:par>
+    </p:tnLst>
+  </p:timing>
+</p:sld>
+</file>
+
+<file path=ppt/slides/slide17.xml><?xml version="1.0" encoding="utf-8"?>
+<p:sld xmlns:a="http://schemas.openxmlformats.org/drawingml/2006/main" xmlns:r="http://schemas.openxmlformats.org/officeDocument/2006/relationships" xmlns:p="http://schemas.openxmlformats.org/presentationml/2006/main">
+  <p:cSld>
+    <p:spTree>
+      <p:nvGrpSpPr>
+        <p:cNvPr id="1" name=""/>
+        <p:cNvGrpSpPr/>
+        <p:nvPr/>
+      </p:nvGrpSpPr>
+      <p:grpSpPr>
+        <a:xfrm>
+          <a:off x="0" y="0"/>
+          <a:ext cx="0" cy="0"/>
+          <a:chOff x="0" y="0"/>
+          <a:chExt cx="0" cy="0"/>
+        </a:xfrm>
+      </p:grpSpPr>
+      <p:sp>
+        <p:nvSpPr>
+          <p:cNvPr id="2" name="Titel 1"/>
+          <p:cNvSpPr>
+            <a:spLocks noGrp="1"/>
+          </p:cNvSpPr>
+          <p:nvPr>
+            <p:ph type="title"/>
+          </p:nvPr>
+        </p:nvSpPr>
+        <p:spPr/>
+        <p:txBody>
+          <a:bodyPr/>
+          <a:lstStyle/>
+          <a:p>
+            <a:r>
+              <a:rPr lang="de-DE" dirty="0" smtClean="0"/>
+              <a:t>Recap: Database First</a:t>
+            </a:r>
+            <a:endParaRPr lang="de-DE" dirty="0"/>
+          </a:p>
+        </p:txBody>
+      </p:sp>
+      <p:sp>
+        <p:nvSpPr>
+          <p:cNvPr id="3" name="Inhaltsplatzhalter 2"/>
+          <p:cNvSpPr>
+            <a:spLocks noGrp="1"/>
+          </p:cNvSpPr>
+          <p:nvPr>
+            <p:ph idx="1"/>
+          </p:nvPr>
+        </p:nvSpPr>
+        <p:spPr/>
+        <p:txBody>
+          <a:bodyPr/>
+          <a:lstStyle/>
+          <a:p>
+            <a:r>
+              <a:rPr lang="de-DE" dirty="0" smtClean="0"/>
+              <a:t>Entity Framework mit NuGet-Paket-Manager installieren</a:t>
+            </a:r>
+          </a:p>
+          <a:p>
+            <a:r>
+              <a:rPr lang="de-DE" dirty="0" smtClean="0"/>
+              <a:t>Model hinzufügen</a:t>
+            </a:r>
+          </a:p>
+          <a:p>
+            <a:r>
+              <a:rPr lang="de-DE" dirty="0" smtClean="0"/>
+              <a:t>Datenbank und Tabellen wählen</a:t>
+            </a:r>
+          </a:p>
+          <a:p>
+            <a:r>
+              <a:rPr lang="de-DE" dirty="0" smtClean="0"/>
+              <a:t>Bei Änderungen an der Datenbank Model aktualisieren</a:t>
+            </a:r>
+          </a:p>
+          <a:p>
+            <a:r>
+              <a:rPr lang="de-DE" dirty="0" smtClean="0"/>
+              <a:t>Verwendung des Kontext ist identisch mit Code First</a:t>
+            </a:r>
+            <a:endParaRPr lang="de-DE" dirty="0"/>
+          </a:p>
+        </p:txBody>
+      </p:sp>
+      <p:sp>
+        <p:nvSpPr>
+          <p:cNvPr id="4" name="Foliennummernplatzhalter 3"/>
+          <p:cNvSpPr>
+            <a:spLocks noGrp="1"/>
+          </p:cNvSpPr>
+          <p:nvPr>
+            <p:ph type="sldNum" sz="quarter" idx="12"/>
+          </p:nvPr>
+        </p:nvSpPr>
+        <p:spPr/>
+        <p:txBody>
+          <a:bodyPr/>
+          <a:lstStyle/>
+          <a:p>
+            <a:fld id="{8F35CB8A-22DD-4279-9E9E-A49CDB5FBE56}" type="slidenum">
+              <a:rPr lang="en-US" smtClean="0"/>
+              <a:pPr/>
+              <a:t>17</a:t>
+            </a:fld>
+            <a:endParaRPr lang="en-US" dirty="0"/>
+          </a:p>
+        </p:txBody>
+      </p:sp>
+    </p:spTree>
+    <p:extLst>
+      <p:ext uri="{BB962C8B-B14F-4D97-AF65-F5344CB8AC3E}">
+        <p14:creationId xmlns:p14="http://schemas.microsoft.com/office/powerpoint/2010/main" val="4088105143"/>
+      </p:ext>
+    </p:extLst>
+  </p:cSld>
+  <p:clrMapOvr>
+    <a:masterClrMapping/>
+  </p:clrMapOvr>
+  <p:timing>
+    <p:tnLst>
+      <p:par>
+        <p:cTn id="1" dur="indefinite" restart="never" nodeType="tmRoot"/>
+      </p:par>
+    </p:tnLst>
+  </p:timing>
+</p:sld>
+</file>
+
+<file path=ppt/slides/slide18.xml><?xml version="1.0" encoding="utf-8"?>
+<p:sld xmlns:a="http://schemas.openxmlformats.org/drawingml/2006/main" xmlns:r="http://schemas.openxmlformats.org/officeDocument/2006/relationships" xmlns:p="http://schemas.openxmlformats.org/presentationml/2006/main">
+  <p:cSld>
+    <p:spTree>
+      <p:nvGrpSpPr>
+        <p:cNvPr id="1" name=""/>
+        <p:cNvGrpSpPr/>
+        <p:nvPr/>
+      </p:nvGrpSpPr>
+      <p:grpSpPr>
+        <a:xfrm>
+          <a:off x="0" y="0"/>
+          <a:ext cx="0" cy="0"/>
+          <a:chOff x="0" y="0"/>
+          <a:chExt cx="0" cy="0"/>
+        </a:xfrm>
+      </p:grpSpPr>
+      <p:sp>
+        <p:nvSpPr>
+          <p:cNvPr id="5" name="Titel 4"/>
+          <p:cNvSpPr>
+            <a:spLocks noGrp="1"/>
+          </p:cNvSpPr>
+          <p:nvPr>
+            <p:ph type="title"/>
+          </p:nvPr>
+        </p:nvSpPr>
+        <p:spPr/>
+        <p:txBody>
+          <a:bodyPr/>
+          <a:lstStyle/>
+          <a:p>
+            <a:r>
+              <a:rPr lang="de-DE" dirty="0" smtClean="0"/>
+              <a:t>Demo</a:t>
+            </a:r>
+            <a:endParaRPr lang="de-DE" dirty="0"/>
+          </a:p>
+        </p:txBody>
+      </p:sp>
+      <p:sp>
+        <p:nvSpPr>
+          <p:cNvPr id="6" name="Untertitel 5"/>
+          <p:cNvSpPr>
+            <a:spLocks noGrp="1"/>
+          </p:cNvSpPr>
+          <p:nvPr>
+            <p:ph type="subTitle" idx="1"/>
+          </p:nvPr>
+        </p:nvSpPr>
+        <p:spPr/>
+        <p:txBody>
+          <a:bodyPr/>
+          <a:lstStyle/>
+          <a:p>
+            <a:r>
+              <a:rPr lang="de-DE" dirty="0" smtClean="0"/>
+              <a:t>Model First</a:t>
+            </a:r>
+            <a:endParaRPr lang="de-DE" dirty="0"/>
+          </a:p>
+        </p:txBody>
+      </p:sp>
+      <p:sp>
+        <p:nvSpPr>
+          <p:cNvPr id="4" name="Foliennummernplatzhalter 3"/>
+          <p:cNvSpPr>
+            <a:spLocks noGrp="1"/>
+          </p:cNvSpPr>
+          <p:nvPr>
+            <p:ph type="sldNum" sz="quarter" idx="10"/>
+          </p:nvPr>
+        </p:nvSpPr>
+        <p:spPr/>
+        <p:txBody>
+          <a:bodyPr/>
+          <a:lstStyle/>
+          <a:p>
+            <a:fld id="{8F35CB8A-22DD-4279-9E9E-A49CDB5FBE56}" type="slidenum">
+              <a:rPr lang="en-US" smtClean="0"/>
+              <a:pPr/>
+              <a:t>18</a:t>
+            </a:fld>
+            <a:endParaRPr lang="en-US" dirty="0"/>
+          </a:p>
+        </p:txBody>
+      </p:sp>
+    </p:spTree>
+    <p:extLst>
+      <p:ext uri="{BB962C8B-B14F-4D97-AF65-F5344CB8AC3E}">
+        <p14:creationId xmlns:p14="http://schemas.microsoft.com/office/powerpoint/2010/main" val="200558654"/>
+      </p:ext>
+    </p:extLst>
+  </p:cSld>
+  <p:clrMapOvr>
+    <a:masterClrMapping/>
+  </p:clrMapOvr>
+  <p:timing>
+    <p:tnLst>
+      <p:par>
+        <p:cTn id="1" dur="indefinite" restart="never" nodeType="tmRoot"/>
+      </p:par>
+    </p:tnLst>
+  </p:timing>
+</p:sld>
+</file>
+
+<file path=ppt/slides/slide19.xml><?xml version="1.0" encoding="utf-8"?>
+<p:sld xmlns:a="http://schemas.openxmlformats.org/drawingml/2006/main" xmlns:r="http://schemas.openxmlformats.org/officeDocument/2006/relationships" xmlns:p="http://schemas.openxmlformats.org/presentationml/2006/main">
+  <p:cSld>
+    <p:spTree>
+      <p:nvGrpSpPr>
+        <p:cNvPr id="1" name=""/>
+        <p:cNvGrpSpPr/>
+        <p:nvPr/>
+      </p:nvGrpSpPr>
+      <p:grpSpPr>
+        <a:xfrm>
+          <a:off x="0" y="0"/>
+          <a:ext cx="0" cy="0"/>
+          <a:chOff x="0" y="0"/>
+          <a:chExt cx="0" cy="0"/>
+        </a:xfrm>
+      </p:grpSpPr>
+      <p:sp>
+        <p:nvSpPr>
+          <p:cNvPr id="2" name="Titel 1"/>
+          <p:cNvSpPr>
+            <a:spLocks noGrp="1"/>
+          </p:cNvSpPr>
+          <p:nvPr>
+            <p:ph type="title"/>
+          </p:nvPr>
+        </p:nvSpPr>
+        <p:spPr/>
+        <p:txBody>
+          <a:bodyPr/>
+          <a:lstStyle/>
+          <a:p>
+            <a:r>
+              <a:rPr lang="de-DE" dirty="0" smtClean="0"/>
+              <a:t>Recap: Model First</a:t>
+            </a:r>
+            <a:endParaRPr lang="de-DE" dirty="0"/>
+          </a:p>
+        </p:txBody>
+      </p:sp>
+      <p:sp>
+        <p:nvSpPr>
+          <p:cNvPr id="3" name="Inhaltsplatzhalter 2"/>
+          <p:cNvSpPr>
+            <a:spLocks noGrp="1"/>
+          </p:cNvSpPr>
+          <p:nvPr>
+            <p:ph idx="1"/>
+          </p:nvPr>
+        </p:nvSpPr>
+        <p:spPr/>
+        <p:txBody>
+          <a:bodyPr/>
+          <a:lstStyle/>
+          <a:p>
+            <a:r>
+              <a:rPr lang="de-DE" dirty="0" smtClean="0"/>
+              <a:t>Entity Framework mit NuGet-Paket-Manager installieren</a:t>
+            </a:r>
+          </a:p>
+          <a:p>
+            <a:r>
+              <a:rPr lang="de-DE" dirty="0" smtClean="0"/>
+              <a:t>Model hinzufügen („Leeres Model“ wählen)</a:t>
+            </a:r>
+          </a:p>
+          <a:p>
+            <a:r>
+              <a:rPr lang="de-DE" dirty="0" smtClean="0"/>
+              <a:t>Entities mit Eigenschaften im Designer erstellen</a:t>
+            </a:r>
+          </a:p>
+          <a:p>
+            <a:r>
+              <a:rPr lang="de-DE" dirty="0" smtClean="0"/>
+              <a:t>Zuordnungen modellieren Fremdschlüsselbeziehungen</a:t>
+            </a:r>
+          </a:p>
+          <a:p>
+            <a:pPr lvl="1"/>
+            <a:r>
+              <a:rPr lang="de-DE" dirty="0" smtClean="0"/>
+              <a:t>Multiplizitäten beachten</a:t>
+            </a:r>
+          </a:p>
+          <a:p>
+            <a:r>
+              <a:rPr lang="de-DE" dirty="0" smtClean="0"/>
+              <a:t>Verwendung des Kontext identisch mit den anderen Approaches</a:t>
+            </a:r>
+            <a:endParaRPr lang="de-DE" dirty="0"/>
+          </a:p>
+        </p:txBody>
+      </p:sp>
+      <p:sp>
+        <p:nvSpPr>
+          <p:cNvPr id="4" name="Foliennummernplatzhalter 3"/>
+          <p:cNvSpPr>
+            <a:spLocks noGrp="1"/>
+          </p:cNvSpPr>
+          <p:nvPr>
+            <p:ph type="sldNum" sz="quarter" idx="12"/>
+          </p:nvPr>
+        </p:nvSpPr>
+        <p:spPr/>
+        <p:txBody>
+          <a:bodyPr/>
+          <a:lstStyle/>
+          <a:p>
+            <a:fld id="{8F35CB8A-22DD-4279-9E9E-A49CDB5FBE56}" type="slidenum">
+              <a:rPr lang="en-US" smtClean="0"/>
+              <a:pPr/>
+              <a:t>19</a:t>
+            </a:fld>
+            <a:endParaRPr lang="en-US" dirty="0"/>
+          </a:p>
+        </p:txBody>
+      </p:sp>
+    </p:spTree>
+    <p:extLst>
+      <p:ext uri="{BB962C8B-B14F-4D97-AF65-F5344CB8AC3E}">
+        <p14:creationId xmlns:p14="http://schemas.microsoft.com/office/powerpoint/2010/main" val="4198302502"/>
+      </p:ext>
+    </p:extLst>
+  </p:cSld>
+  <p:clrMapOvr>
+    <a:masterClrMapping/>
+  </p:clrMapOvr>
+  <p:timing>
+    <p:tnLst>
+      <p:par>
+        <p:cTn id="1" dur="indefinite" restart="never" nodeType="tmRoot"/>
+      </p:par>
+    </p:tnLst>
+  </p:timing>
+</p:sld>
+</file>
+
 <file path=ppt/slides/slide2.xml><?xml version="1.0" encoding="utf-8"?>
 <p:sld xmlns:a="http://schemas.openxmlformats.org/drawingml/2006/main" xmlns:r="http://schemas.openxmlformats.org/officeDocument/2006/relationships" xmlns:p="http://schemas.openxmlformats.org/presentationml/2006/main">
   <p:cSld>
@@ -4763,12 +6390,8 @@
                     <a:lstStyle/>
                     <a:p>
                       <a:r>
-                        <a:rPr lang="de-DE" b="1" smtClean="0"/>
-                        <a:t>03 | </a:t>
-                      </a:r>
-                      <a:r>
                         <a:rPr lang="de-DE" b="1" dirty="0" smtClean="0"/>
-                        <a:t>Datenmodellierung und -abfrage mit dem Entity Framework</a:t>
+                        <a:t>03 | Datenmodellierung und -abfrage mit dem Entity Framework</a:t>
                       </a:r>
                       <a:endParaRPr lang="de-DE" b="1" dirty="0"/>
                     </a:p>
@@ -4889,6 +6512,1319 @@
 </p:sld>
 </file>
 
+<file path=ppt/slides/slide20.xml><?xml version="1.0" encoding="utf-8"?>
+<p:sld xmlns:a="http://schemas.openxmlformats.org/drawingml/2006/main" xmlns:r="http://schemas.openxmlformats.org/officeDocument/2006/relationships" xmlns:p="http://schemas.openxmlformats.org/presentationml/2006/main">
+  <p:cSld>
+    <p:spTree>
+      <p:nvGrpSpPr>
+        <p:cNvPr id="1" name=""/>
+        <p:cNvGrpSpPr/>
+        <p:nvPr/>
+      </p:nvGrpSpPr>
+      <p:grpSpPr>
+        <a:xfrm>
+          <a:off x="0" y="0"/>
+          <a:ext cx="0" cy="0"/>
+          <a:chOff x="0" y="0"/>
+          <a:chExt cx="0" cy="0"/>
+        </a:xfrm>
+      </p:grpSpPr>
+      <p:sp>
+        <p:nvSpPr>
+          <p:cNvPr id="5" name="Titel 4"/>
+          <p:cNvSpPr>
+            <a:spLocks noGrp="1"/>
+          </p:cNvSpPr>
+          <p:nvPr>
+            <p:ph type="title"/>
+          </p:nvPr>
+        </p:nvSpPr>
+        <p:spPr/>
+        <p:txBody>
+          <a:bodyPr/>
+          <a:lstStyle/>
+          <a:p>
+            <a:r>
+              <a:rPr lang="de-DE" dirty="0" smtClean="0"/>
+              <a:t>PAUSE</a:t>
+            </a:r>
+            <a:endParaRPr lang="de-DE" dirty="0"/>
+          </a:p>
+        </p:txBody>
+      </p:sp>
+      <p:sp>
+        <p:nvSpPr>
+          <p:cNvPr id="6" name="Untertitel 5"/>
+          <p:cNvSpPr>
+            <a:spLocks noGrp="1"/>
+          </p:cNvSpPr>
+          <p:nvPr>
+            <p:ph type="subTitle" idx="1"/>
+          </p:nvPr>
+        </p:nvSpPr>
+        <p:spPr/>
+        <p:txBody>
+          <a:bodyPr/>
+          <a:lstStyle/>
+          <a:p>
+            <a:endParaRPr lang="de-DE" dirty="0"/>
+          </a:p>
+        </p:txBody>
+      </p:sp>
+      <p:sp>
+        <p:nvSpPr>
+          <p:cNvPr id="4" name="Foliennummernplatzhalter 3"/>
+          <p:cNvSpPr>
+            <a:spLocks noGrp="1"/>
+          </p:cNvSpPr>
+          <p:nvPr>
+            <p:ph type="sldNum" sz="quarter" idx="10"/>
+          </p:nvPr>
+        </p:nvSpPr>
+        <p:spPr/>
+        <p:txBody>
+          <a:bodyPr/>
+          <a:lstStyle/>
+          <a:p>
+            <a:fld id="{8F35CB8A-22DD-4279-9E9E-A49CDB5FBE56}" type="slidenum">
+              <a:rPr lang="en-US" smtClean="0"/>
+              <a:pPr/>
+              <a:t>20</a:t>
+            </a:fld>
+            <a:endParaRPr lang="en-US" dirty="0"/>
+          </a:p>
+        </p:txBody>
+      </p:sp>
+    </p:spTree>
+    <p:extLst>
+      <p:ext uri="{BB962C8B-B14F-4D97-AF65-F5344CB8AC3E}">
+        <p14:creationId xmlns:p14="http://schemas.microsoft.com/office/powerpoint/2010/main" val="914943711"/>
+      </p:ext>
+    </p:extLst>
+  </p:cSld>
+  <p:clrMapOvr>
+    <a:masterClrMapping/>
+  </p:clrMapOvr>
+  <p:timing>
+    <p:tnLst>
+      <p:par>
+        <p:cTn id="1" dur="indefinite" restart="never" nodeType="tmRoot"/>
+      </p:par>
+    </p:tnLst>
+  </p:timing>
+</p:sld>
+</file>
+
+<file path=ppt/slides/slide21.xml><?xml version="1.0" encoding="utf-8"?>
+<p:sld xmlns:a="http://schemas.openxmlformats.org/drawingml/2006/main" xmlns:r="http://schemas.openxmlformats.org/officeDocument/2006/relationships" xmlns:p="http://schemas.openxmlformats.org/presentationml/2006/main">
+  <p:cSld>
+    <p:spTree>
+      <p:nvGrpSpPr>
+        <p:cNvPr id="1" name=""/>
+        <p:cNvGrpSpPr/>
+        <p:nvPr/>
+      </p:nvGrpSpPr>
+      <p:grpSpPr>
+        <a:xfrm>
+          <a:off x="0" y="0"/>
+          <a:ext cx="0" cy="0"/>
+          <a:chOff x="0" y="0"/>
+          <a:chExt cx="0" cy="0"/>
+        </a:xfrm>
+      </p:grpSpPr>
+      <p:sp>
+        <p:nvSpPr>
+          <p:cNvPr id="5" name="Titel 4"/>
+          <p:cNvSpPr>
+            <a:spLocks noGrp="1"/>
+          </p:cNvSpPr>
+          <p:nvPr>
+            <p:ph type="title"/>
+          </p:nvPr>
+        </p:nvSpPr>
+        <p:spPr/>
+        <p:txBody>
+          <a:bodyPr/>
+          <a:lstStyle/>
+          <a:p>
+            <a:r>
+              <a:rPr lang="de-DE" dirty="0" smtClean="0"/>
+              <a:t>Modulübersicht</a:t>
+            </a:r>
+            <a:endParaRPr lang="de-DE" dirty="0"/>
+          </a:p>
+        </p:txBody>
+      </p:sp>
+      <p:sp>
+        <p:nvSpPr>
+          <p:cNvPr id="6" name="Inhaltsplatzhalter 5"/>
+          <p:cNvSpPr>
+            <a:spLocks noGrp="1"/>
+          </p:cNvSpPr>
+          <p:nvPr>
+            <p:ph idx="1"/>
+          </p:nvPr>
+        </p:nvSpPr>
+        <p:spPr/>
+        <p:txBody>
+          <a:bodyPr/>
+          <a:lstStyle/>
+          <a:p>
+            <a:r>
+              <a:rPr lang="de-DE" dirty="0" smtClean="0"/>
+              <a:t>Migrationen im Code-First-Approach</a:t>
+            </a:r>
+          </a:p>
+          <a:p>
+            <a:r>
+              <a:rPr lang="de-DE" dirty="0" smtClean="0"/>
+              <a:t>Konfigurieren von Eigenschaften und Typen mit der Fluent-API</a:t>
+            </a:r>
+          </a:p>
+          <a:p>
+            <a:r>
+              <a:rPr lang="de-DE" dirty="0" smtClean="0"/>
+              <a:t>Data Annotations im Code-First-Approach</a:t>
+            </a:r>
+            <a:endParaRPr lang="de-DE" dirty="0"/>
+          </a:p>
+        </p:txBody>
+      </p:sp>
+      <p:sp>
+        <p:nvSpPr>
+          <p:cNvPr id="4" name="Foliennummernplatzhalter 3"/>
+          <p:cNvSpPr>
+            <a:spLocks noGrp="1"/>
+          </p:cNvSpPr>
+          <p:nvPr>
+            <p:ph type="sldNum" sz="quarter" idx="12"/>
+          </p:nvPr>
+        </p:nvSpPr>
+        <p:spPr/>
+        <p:txBody>
+          <a:bodyPr/>
+          <a:lstStyle/>
+          <a:p>
+            <a:fld id="{8F35CB8A-22DD-4279-9E9E-A49CDB5FBE56}" type="slidenum">
+              <a:rPr lang="en-US" smtClean="0"/>
+              <a:pPr/>
+              <a:t>21</a:t>
+            </a:fld>
+            <a:endParaRPr lang="en-US" dirty="0"/>
+          </a:p>
+        </p:txBody>
+      </p:sp>
+    </p:spTree>
+    <p:extLst>
+      <p:ext uri="{BB962C8B-B14F-4D97-AF65-F5344CB8AC3E}">
+        <p14:creationId xmlns:p14="http://schemas.microsoft.com/office/powerpoint/2010/main" val="302262705"/>
+      </p:ext>
+    </p:extLst>
+  </p:cSld>
+  <p:clrMapOvr>
+    <a:masterClrMapping/>
+  </p:clrMapOvr>
+</p:sld>
+</file>
+
+<file path=ppt/slides/slide22.xml><?xml version="1.0" encoding="utf-8"?>
+<p:sld xmlns:a="http://schemas.openxmlformats.org/drawingml/2006/main" xmlns:r="http://schemas.openxmlformats.org/officeDocument/2006/relationships" xmlns:p="http://schemas.openxmlformats.org/presentationml/2006/main">
+  <p:cSld>
+    <p:spTree>
+      <p:nvGrpSpPr>
+        <p:cNvPr id="1" name=""/>
+        <p:cNvGrpSpPr/>
+        <p:nvPr/>
+      </p:nvGrpSpPr>
+      <p:grpSpPr>
+        <a:xfrm>
+          <a:off x="0" y="0"/>
+          <a:ext cx="0" cy="0"/>
+          <a:chOff x="0" y="0"/>
+          <a:chExt cx="0" cy="0"/>
+        </a:xfrm>
+      </p:grpSpPr>
+      <p:sp>
+        <p:nvSpPr>
+          <p:cNvPr id="2" name="Titel 1"/>
+          <p:cNvSpPr>
+            <a:spLocks noGrp="1"/>
+          </p:cNvSpPr>
+          <p:nvPr>
+            <p:ph type="title"/>
+          </p:nvPr>
+        </p:nvSpPr>
+        <p:spPr/>
+        <p:txBody>
+          <a:bodyPr/>
+          <a:lstStyle/>
+          <a:p>
+            <a:r>
+              <a:rPr lang="de-DE" dirty="0" smtClean="0"/>
+              <a:t>Migrations im Code-First-Approach</a:t>
+            </a:r>
+            <a:endParaRPr lang="de-DE" dirty="0"/>
+          </a:p>
+        </p:txBody>
+      </p:sp>
+      <p:sp>
+        <p:nvSpPr>
+          <p:cNvPr id="3" name="Inhaltsplatzhalter 2"/>
+          <p:cNvSpPr>
+            <a:spLocks noGrp="1"/>
+          </p:cNvSpPr>
+          <p:nvPr>
+            <p:ph idx="1"/>
+          </p:nvPr>
+        </p:nvSpPr>
+        <p:spPr/>
+        <p:txBody>
+          <a:bodyPr/>
+          <a:lstStyle/>
+          <a:p>
+            <a:r>
+              <a:rPr lang="de-DE" dirty="0" smtClean="0"/>
+              <a:t>Änderungen am Model kommen häufig vor</a:t>
+            </a:r>
+          </a:p>
+          <a:p>
+            <a:pPr lvl="1"/>
+            <a:r>
+              <a:rPr lang="de-DE" dirty="0" smtClean="0"/>
+              <a:t>Datenbank muss angepasst werden</a:t>
+            </a:r>
+          </a:p>
+          <a:p>
+            <a:r>
+              <a:rPr lang="de-DE" dirty="0" smtClean="0"/>
+              <a:t>Bei Database First Approach über den Designer möglich</a:t>
+            </a:r>
+          </a:p>
+          <a:p>
+            <a:r>
+              <a:rPr lang="de-DE" dirty="0" smtClean="0"/>
+              <a:t>Im Code First Approach gibt es hierfür Migrations</a:t>
+            </a:r>
+          </a:p>
+          <a:p>
+            <a:pPr lvl="1"/>
+            <a:r>
+              <a:rPr lang="de-DE" dirty="0" smtClean="0"/>
+              <a:t>Erkennt Änderungen am Model</a:t>
+            </a:r>
+          </a:p>
+          <a:p>
+            <a:pPr lvl="1"/>
+            <a:r>
+              <a:rPr lang="de-DE" dirty="0" smtClean="0"/>
+              <a:t>Überträgt diese Änderungen auf die Datenbank</a:t>
+            </a:r>
+          </a:p>
+          <a:p>
+            <a:endParaRPr lang="de-DE" dirty="0"/>
+          </a:p>
+        </p:txBody>
+      </p:sp>
+      <p:sp>
+        <p:nvSpPr>
+          <p:cNvPr id="4" name="Foliennummernplatzhalter 3"/>
+          <p:cNvSpPr>
+            <a:spLocks noGrp="1"/>
+          </p:cNvSpPr>
+          <p:nvPr>
+            <p:ph type="sldNum" sz="quarter" idx="12"/>
+          </p:nvPr>
+        </p:nvSpPr>
+        <p:spPr/>
+        <p:txBody>
+          <a:bodyPr/>
+          <a:lstStyle/>
+          <a:p>
+            <a:fld id="{8F35CB8A-22DD-4279-9E9E-A49CDB5FBE56}" type="slidenum">
+              <a:rPr lang="en-US" smtClean="0"/>
+              <a:pPr/>
+              <a:t>22</a:t>
+            </a:fld>
+            <a:endParaRPr lang="en-US" dirty="0"/>
+          </a:p>
+        </p:txBody>
+      </p:sp>
+    </p:spTree>
+    <p:extLst>
+      <p:ext uri="{BB962C8B-B14F-4D97-AF65-F5344CB8AC3E}">
+        <p14:creationId xmlns:p14="http://schemas.microsoft.com/office/powerpoint/2010/main" val="324158710"/>
+      </p:ext>
+    </p:extLst>
+  </p:cSld>
+  <p:clrMapOvr>
+    <a:masterClrMapping/>
+  </p:clrMapOvr>
+</p:sld>
+</file>
+
+<file path=ppt/slides/slide23.xml><?xml version="1.0" encoding="utf-8"?>
+<p:sld xmlns:a="http://schemas.openxmlformats.org/drawingml/2006/main" xmlns:r="http://schemas.openxmlformats.org/officeDocument/2006/relationships" xmlns:p="http://schemas.openxmlformats.org/presentationml/2006/main">
+  <p:cSld>
+    <p:spTree>
+      <p:nvGrpSpPr>
+        <p:cNvPr id="1" name=""/>
+        <p:cNvGrpSpPr/>
+        <p:nvPr/>
+      </p:nvGrpSpPr>
+      <p:grpSpPr>
+        <a:xfrm>
+          <a:off x="0" y="0"/>
+          <a:ext cx="0" cy="0"/>
+          <a:chOff x="0" y="0"/>
+          <a:chExt cx="0" cy="0"/>
+        </a:xfrm>
+      </p:grpSpPr>
+      <p:sp>
+        <p:nvSpPr>
+          <p:cNvPr id="5" name="Titel 4"/>
+          <p:cNvSpPr>
+            <a:spLocks noGrp="1"/>
+          </p:cNvSpPr>
+          <p:nvPr>
+            <p:ph type="title"/>
+          </p:nvPr>
+        </p:nvSpPr>
+        <p:spPr/>
+        <p:txBody>
+          <a:bodyPr/>
+          <a:lstStyle/>
+          <a:p>
+            <a:r>
+              <a:rPr lang="de-DE" dirty="0" smtClean="0"/>
+              <a:t>Demo</a:t>
+            </a:r>
+            <a:endParaRPr lang="de-DE" dirty="0"/>
+          </a:p>
+        </p:txBody>
+      </p:sp>
+      <p:sp>
+        <p:nvSpPr>
+          <p:cNvPr id="6" name="Untertitel 5"/>
+          <p:cNvSpPr>
+            <a:spLocks noGrp="1"/>
+          </p:cNvSpPr>
+          <p:nvPr>
+            <p:ph type="subTitle" idx="1"/>
+          </p:nvPr>
+        </p:nvSpPr>
+        <p:spPr/>
+        <p:txBody>
+          <a:bodyPr/>
+          <a:lstStyle/>
+          <a:p>
+            <a:r>
+              <a:rPr lang="de-DE" dirty="0" smtClean="0"/>
+              <a:t>Migrations</a:t>
+            </a:r>
+            <a:endParaRPr lang="de-DE" dirty="0"/>
+          </a:p>
+        </p:txBody>
+      </p:sp>
+      <p:sp>
+        <p:nvSpPr>
+          <p:cNvPr id="4" name="Foliennummernplatzhalter 3"/>
+          <p:cNvSpPr>
+            <a:spLocks noGrp="1"/>
+          </p:cNvSpPr>
+          <p:nvPr>
+            <p:ph type="sldNum" sz="quarter" idx="10"/>
+          </p:nvPr>
+        </p:nvSpPr>
+        <p:spPr/>
+        <p:txBody>
+          <a:bodyPr/>
+          <a:lstStyle/>
+          <a:p>
+            <a:fld id="{8F35CB8A-22DD-4279-9E9E-A49CDB5FBE56}" type="slidenum">
+              <a:rPr lang="en-US" smtClean="0"/>
+              <a:pPr/>
+              <a:t>23</a:t>
+            </a:fld>
+            <a:endParaRPr lang="en-US" dirty="0"/>
+          </a:p>
+        </p:txBody>
+      </p:sp>
+    </p:spTree>
+    <p:extLst>
+      <p:ext uri="{BB962C8B-B14F-4D97-AF65-F5344CB8AC3E}">
+        <p14:creationId xmlns:p14="http://schemas.microsoft.com/office/powerpoint/2010/main" val="1603907808"/>
+      </p:ext>
+    </p:extLst>
+  </p:cSld>
+  <p:clrMapOvr>
+    <a:masterClrMapping/>
+  </p:clrMapOvr>
+</p:sld>
+</file>
+
+<file path=ppt/slides/slide24.xml><?xml version="1.0" encoding="utf-8"?>
+<p:sld xmlns:a="http://schemas.openxmlformats.org/drawingml/2006/main" xmlns:r="http://schemas.openxmlformats.org/officeDocument/2006/relationships" xmlns:p="http://schemas.openxmlformats.org/presentationml/2006/main">
+  <p:cSld>
+    <p:spTree>
+      <p:nvGrpSpPr>
+        <p:cNvPr id="1" name=""/>
+        <p:cNvGrpSpPr/>
+        <p:nvPr/>
+      </p:nvGrpSpPr>
+      <p:grpSpPr>
+        <a:xfrm>
+          <a:off x="0" y="0"/>
+          <a:ext cx="0" cy="0"/>
+          <a:chOff x="0" y="0"/>
+          <a:chExt cx="0" cy="0"/>
+        </a:xfrm>
+      </p:grpSpPr>
+      <p:sp>
+        <p:nvSpPr>
+          <p:cNvPr id="5" name="Titel 4"/>
+          <p:cNvSpPr>
+            <a:spLocks noGrp="1"/>
+          </p:cNvSpPr>
+          <p:nvPr>
+            <p:ph type="title"/>
+          </p:nvPr>
+        </p:nvSpPr>
+        <p:spPr/>
+        <p:txBody>
+          <a:bodyPr/>
+          <a:lstStyle/>
+          <a:p>
+            <a:r>
+              <a:rPr lang="de-DE" dirty="0" smtClean="0"/>
+              <a:t>Recap: Migrations</a:t>
+            </a:r>
+            <a:endParaRPr lang="de-DE" dirty="0"/>
+          </a:p>
+        </p:txBody>
+      </p:sp>
+      <p:sp>
+        <p:nvSpPr>
+          <p:cNvPr id="6" name="Inhaltsplatzhalter 5"/>
+          <p:cNvSpPr>
+            <a:spLocks noGrp="1"/>
+          </p:cNvSpPr>
+          <p:nvPr>
+            <p:ph idx="1"/>
+          </p:nvPr>
+        </p:nvSpPr>
+        <p:spPr/>
+        <p:txBody>
+          <a:bodyPr/>
+          <a:lstStyle/>
+          <a:p>
+            <a:r>
+              <a:rPr lang="de-DE" dirty="0" smtClean="0"/>
+              <a:t>Aktivieren in der Paket-Manager-Konsole</a:t>
+            </a:r>
+          </a:p>
+          <a:p>
+            <a:pPr lvl="1"/>
+            <a:r>
+              <a:rPr lang="de-DE" dirty="0" smtClean="0"/>
+              <a:t>Enable-Migrations</a:t>
+            </a:r>
+          </a:p>
+          <a:p>
+            <a:pPr lvl="2"/>
+            <a:r>
+              <a:rPr lang="de-DE" dirty="0" smtClean="0"/>
+              <a:t>Aktiviert Migrations für das gewählte Projekt</a:t>
+            </a:r>
+          </a:p>
+          <a:p>
+            <a:pPr lvl="1"/>
+            <a:r>
+              <a:rPr lang="de-DE" dirty="0" smtClean="0"/>
+              <a:t>Add-Migration Name</a:t>
+            </a:r>
+          </a:p>
+          <a:p>
+            <a:pPr lvl="2"/>
+            <a:r>
+              <a:rPr lang="de-DE" dirty="0" smtClean="0"/>
+              <a:t>Fügt eine neue Migration mit dem gegebenen Namen hinzu</a:t>
+            </a:r>
+          </a:p>
+          <a:p>
+            <a:pPr lvl="1"/>
+            <a:r>
+              <a:rPr lang="de-DE" dirty="0" smtClean="0"/>
+              <a:t>Update-Database</a:t>
+            </a:r>
+          </a:p>
+          <a:p>
+            <a:pPr lvl="2"/>
+            <a:r>
+              <a:rPr lang="de-DE" dirty="0" smtClean="0"/>
+              <a:t>Aktualisiert die Datenbank anhand der vorhandenen Migrationen</a:t>
+            </a:r>
+            <a:endParaRPr lang="de-DE" dirty="0"/>
+          </a:p>
+        </p:txBody>
+      </p:sp>
+      <p:sp>
+        <p:nvSpPr>
+          <p:cNvPr id="4" name="Foliennummernplatzhalter 3"/>
+          <p:cNvSpPr>
+            <a:spLocks noGrp="1"/>
+          </p:cNvSpPr>
+          <p:nvPr>
+            <p:ph type="sldNum" sz="quarter" idx="12"/>
+          </p:nvPr>
+        </p:nvSpPr>
+        <p:spPr/>
+        <p:txBody>
+          <a:bodyPr/>
+          <a:lstStyle/>
+          <a:p>
+            <a:fld id="{8F35CB8A-22DD-4279-9E9E-A49CDB5FBE56}" type="slidenum">
+              <a:rPr lang="en-US" smtClean="0"/>
+              <a:pPr/>
+              <a:t>24</a:t>
+            </a:fld>
+            <a:endParaRPr lang="en-US" dirty="0"/>
+          </a:p>
+        </p:txBody>
+      </p:sp>
+    </p:spTree>
+    <p:extLst>
+      <p:ext uri="{BB962C8B-B14F-4D97-AF65-F5344CB8AC3E}">
+        <p14:creationId xmlns:p14="http://schemas.microsoft.com/office/powerpoint/2010/main" val="1428498244"/>
+      </p:ext>
+    </p:extLst>
+  </p:cSld>
+  <p:clrMapOvr>
+    <a:masterClrMapping/>
+  </p:clrMapOvr>
+</p:sld>
+</file>
+
+<file path=ppt/slides/slide25.xml><?xml version="1.0" encoding="utf-8"?>
+<p:sld xmlns:a="http://schemas.openxmlformats.org/drawingml/2006/main" xmlns:r="http://schemas.openxmlformats.org/officeDocument/2006/relationships" xmlns:p="http://schemas.openxmlformats.org/presentationml/2006/main">
+  <p:cSld>
+    <p:spTree>
+      <p:nvGrpSpPr>
+        <p:cNvPr id="1" name=""/>
+        <p:cNvGrpSpPr/>
+        <p:nvPr/>
+      </p:nvGrpSpPr>
+      <p:grpSpPr>
+        <a:xfrm>
+          <a:off x="0" y="0"/>
+          <a:ext cx="0" cy="0"/>
+          <a:chOff x="0" y="0"/>
+          <a:chExt cx="0" cy="0"/>
+        </a:xfrm>
+      </p:grpSpPr>
+      <p:sp>
+        <p:nvSpPr>
+          <p:cNvPr id="2" name="Titel 1"/>
+          <p:cNvSpPr>
+            <a:spLocks noGrp="1"/>
+          </p:cNvSpPr>
+          <p:nvPr>
+            <p:ph type="title"/>
+          </p:nvPr>
+        </p:nvSpPr>
+        <p:spPr/>
+        <p:txBody>
+          <a:bodyPr/>
+          <a:lstStyle/>
+          <a:p>
+            <a:r>
+              <a:rPr lang="de-DE" dirty="0" smtClean="0"/>
+              <a:t>Konfigurieren von Eigenschaften und Typen mit der Fluent-API I</a:t>
+            </a:r>
+            <a:endParaRPr lang="de-DE" dirty="0"/>
+          </a:p>
+        </p:txBody>
+      </p:sp>
+      <p:sp>
+        <p:nvSpPr>
+          <p:cNvPr id="3" name="Inhaltsplatzhalter 2"/>
+          <p:cNvSpPr>
+            <a:spLocks noGrp="1"/>
+          </p:cNvSpPr>
+          <p:nvPr>
+            <p:ph idx="1"/>
+          </p:nvPr>
+        </p:nvSpPr>
+        <p:spPr/>
+        <p:txBody>
+          <a:bodyPr/>
+          <a:lstStyle/>
+          <a:p>
+            <a:r>
+              <a:rPr lang="de-DE" dirty="0" smtClean="0"/>
+              <a:t>Fluent Interfaces</a:t>
+            </a:r>
+          </a:p>
+          <a:p>
+            <a:pPr lvl="1"/>
+            <a:r>
+              <a:rPr lang="de-DE" dirty="0" smtClean="0"/>
+              <a:t>Interface besitzt eine Grammatik</a:t>
+            </a:r>
+          </a:p>
+          <a:p>
+            <a:pPr lvl="1"/>
+            <a:r>
+              <a:rPr lang="de-DE" dirty="0" smtClean="0"/>
+              <a:t>Entwickler bildet „Sätze“ mit den Methoden</a:t>
+            </a:r>
+          </a:p>
+          <a:p>
+            <a:r>
+              <a:rPr lang="de-DE" dirty="0" smtClean="0"/>
+              <a:t>Beispiel: Fluent-API des Entity Frameworks</a:t>
+            </a:r>
+          </a:p>
+          <a:p>
+            <a:endParaRPr lang="de-DE" dirty="0"/>
+          </a:p>
+        </p:txBody>
+      </p:sp>
+      <p:sp>
+        <p:nvSpPr>
+          <p:cNvPr id="4" name="Foliennummernplatzhalter 3"/>
+          <p:cNvSpPr>
+            <a:spLocks noGrp="1"/>
+          </p:cNvSpPr>
+          <p:nvPr>
+            <p:ph type="sldNum" sz="quarter" idx="12"/>
+          </p:nvPr>
+        </p:nvSpPr>
+        <p:spPr/>
+        <p:txBody>
+          <a:bodyPr/>
+          <a:lstStyle/>
+          <a:p>
+            <a:fld id="{8F35CB8A-22DD-4279-9E9E-A49CDB5FBE56}" type="slidenum">
+              <a:rPr lang="en-US" smtClean="0"/>
+              <a:pPr/>
+              <a:t>25</a:t>
+            </a:fld>
+            <a:endParaRPr lang="en-US" dirty="0"/>
+          </a:p>
+        </p:txBody>
+      </p:sp>
+      <p:pic>
+        <p:nvPicPr>
+          <p:cNvPr id="5" name="Grafik 4"/>
+          <p:cNvPicPr>
+            <a:picLocks noChangeAspect="1"/>
+          </p:cNvPicPr>
+          <p:nvPr/>
+        </p:nvPicPr>
+        <p:blipFill>
+          <a:blip r:embed="rId2"/>
+          <a:stretch>
+            <a:fillRect/>
+          </a:stretch>
+        </p:blipFill>
+        <p:spPr>
+          <a:xfrm>
+            <a:off x="587298" y="2749412"/>
+            <a:ext cx="4672426" cy="2295817"/>
+          </a:xfrm>
+          <a:prstGeom prst="rect">
+            <a:avLst/>
+          </a:prstGeom>
+        </p:spPr>
+      </p:pic>
+    </p:spTree>
+    <p:extLst>
+      <p:ext uri="{BB962C8B-B14F-4D97-AF65-F5344CB8AC3E}">
+        <p14:creationId xmlns:p14="http://schemas.microsoft.com/office/powerpoint/2010/main" val="2635326080"/>
+      </p:ext>
+    </p:extLst>
+  </p:cSld>
+  <p:clrMapOvr>
+    <a:masterClrMapping/>
+  </p:clrMapOvr>
+</p:sld>
+</file>
+
+<file path=ppt/slides/slide26.xml><?xml version="1.0" encoding="utf-8"?>
+<p:sld xmlns:a="http://schemas.openxmlformats.org/drawingml/2006/main" xmlns:r="http://schemas.openxmlformats.org/officeDocument/2006/relationships" xmlns:p="http://schemas.openxmlformats.org/presentationml/2006/main">
+  <p:cSld>
+    <p:spTree>
+      <p:nvGrpSpPr>
+        <p:cNvPr id="1" name=""/>
+        <p:cNvGrpSpPr/>
+        <p:nvPr/>
+      </p:nvGrpSpPr>
+      <p:grpSpPr>
+        <a:xfrm>
+          <a:off x="0" y="0"/>
+          <a:ext cx="0" cy="0"/>
+          <a:chOff x="0" y="0"/>
+          <a:chExt cx="0" cy="0"/>
+        </a:xfrm>
+      </p:grpSpPr>
+      <p:sp>
+        <p:nvSpPr>
+          <p:cNvPr id="2" name="Titel 1"/>
+          <p:cNvSpPr>
+            <a:spLocks noGrp="1"/>
+          </p:cNvSpPr>
+          <p:nvPr>
+            <p:ph type="title"/>
+          </p:nvPr>
+        </p:nvSpPr>
+        <p:spPr/>
+        <p:txBody>
+          <a:bodyPr/>
+          <a:lstStyle/>
+          <a:p>
+            <a:r>
+              <a:rPr lang="de-DE" dirty="0"/>
+              <a:t>Konfigurieren von Eigenschaften und Typen mit der Fluent-API </a:t>
+            </a:r>
+            <a:r>
+              <a:rPr lang="de-DE" dirty="0" smtClean="0"/>
+              <a:t>II</a:t>
+            </a:r>
+            <a:endParaRPr lang="de-DE" dirty="0"/>
+          </a:p>
+        </p:txBody>
+      </p:sp>
+      <p:sp>
+        <p:nvSpPr>
+          <p:cNvPr id="3" name="Inhaltsplatzhalter 2"/>
+          <p:cNvSpPr>
+            <a:spLocks noGrp="1"/>
+          </p:cNvSpPr>
+          <p:nvPr>
+            <p:ph idx="1"/>
+          </p:nvPr>
+        </p:nvSpPr>
+        <p:spPr/>
+        <p:txBody>
+          <a:bodyPr/>
+          <a:lstStyle/>
+          <a:p>
+            <a:r>
+              <a:rPr lang="de-DE" dirty="0" smtClean="0"/>
+              <a:t>Mapping auf eigene Bedürfnisse anpassen</a:t>
+            </a:r>
+          </a:p>
+          <a:p>
+            <a:pPr lvl="1"/>
+            <a:r>
+              <a:rPr lang="de-DE" dirty="0" smtClean="0"/>
+              <a:t>Welche Eigenschaften stellt den Primärschlüssel der Entity dar</a:t>
+            </a:r>
+          </a:p>
+          <a:p>
+            <a:pPr lvl="2"/>
+            <a:r>
+              <a:rPr lang="de-DE" dirty="0" smtClean="0"/>
+              <a:t>Primärschlüssel kann auch aus mehreren Eigenschaften gebildet werden</a:t>
+            </a:r>
+          </a:p>
+          <a:p>
+            <a:pPr lvl="1"/>
+            <a:r>
+              <a:rPr lang="de-DE" dirty="0" smtClean="0"/>
+              <a:t>Welche Einschränkungen gelten für die Eigenschaften</a:t>
+            </a:r>
+          </a:p>
+          <a:p>
+            <a:pPr lvl="2"/>
+            <a:r>
+              <a:rPr lang="de-DE" dirty="0"/>
+              <a:t>Minimale/Maximale Länge, Null zulässig oder nicht</a:t>
+            </a:r>
+          </a:p>
+          <a:p>
+            <a:pPr lvl="1"/>
+            <a:r>
+              <a:rPr lang="de-DE" dirty="0" smtClean="0"/>
+              <a:t>Auf welche Spalte soll eine Eigenschaft abgebildet werden</a:t>
+            </a:r>
+          </a:p>
+          <a:p>
+            <a:pPr lvl="1"/>
+            <a:r>
+              <a:rPr lang="de-DE" dirty="0" smtClean="0"/>
+              <a:t>Auf welche Tabelle soll eine Entity abgebildet werden</a:t>
+            </a:r>
+          </a:p>
+          <a:p>
+            <a:pPr lvl="1"/>
+            <a:r>
+              <a:rPr lang="de-DE" dirty="0" smtClean="0"/>
+              <a:t>Fremdschlüsselbeziehungen angeben</a:t>
+            </a:r>
+          </a:p>
+          <a:p>
+            <a:pPr lvl="1"/>
+            <a:r>
+              <a:rPr lang="de-DE" dirty="0" smtClean="0"/>
+              <a:t>Navigationseigenschaft festlegen</a:t>
+            </a:r>
+          </a:p>
+          <a:p>
+            <a:pPr lvl="1"/>
+            <a:endParaRPr lang="de-DE" dirty="0"/>
+          </a:p>
+        </p:txBody>
+      </p:sp>
+      <p:sp>
+        <p:nvSpPr>
+          <p:cNvPr id="4" name="Foliennummernplatzhalter 3"/>
+          <p:cNvSpPr>
+            <a:spLocks noGrp="1"/>
+          </p:cNvSpPr>
+          <p:nvPr>
+            <p:ph type="sldNum" sz="quarter" idx="12"/>
+          </p:nvPr>
+        </p:nvSpPr>
+        <p:spPr/>
+        <p:txBody>
+          <a:bodyPr/>
+          <a:lstStyle/>
+          <a:p>
+            <a:fld id="{8F35CB8A-22DD-4279-9E9E-A49CDB5FBE56}" type="slidenum">
+              <a:rPr lang="en-US" smtClean="0"/>
+              <a:pPr/>
+              <a:t>26</a:t>
+            </a:fld>
+            <a:endParaRPr lang="en-US" dirty="0"/>
+          </a:p>
+        </p:txBody>
+      </p:sp>
+    </p:spTree>
+    <p:extLst>
+      <p:ext uri="{BB962C8B-B14F-4D97-AF65-F5344CB8AC3E}">
+        <p14:creationId xmlns:p14="http://schemas.microsoft.com/office/powerpoint/2010/main" val="1854615909"/>
+      </p:ext>
+    </p:extLst>
+  </p:cSld>
+  <p:clrMapOvr>
+    <a:masterClrMapping/>
+  </p:clrMapOvr>
+</p:sld>
+</file>
+
+<file path=ppt/slides/slide27.xml><?xml version="1.0" encoding="utf-8"?>
+<p:sld xmlns:a="http://schemas.openxmlformats.org/drawingml/2006/main" xmlns:r="http://schemas.openxmlformats.org/officeDocument/2006/relationships" xmlns:p="http://schemas.openxmlformats.org/presentationml/2006/main">
+  <p:cSld>
+    <p:spTree>
+      <p:nvGrpSpPr>
+        <p:cNvPr id="1" name=""/>
+        <p:cNvGrpSpPr/>
+        <p:nvPr/>
+      </p:nvGrpSpPr>
+      <p:grpSpPr>
+        <a:xfrm>
+          <a:off x="0" y="0"/>
+          <a:ext cx="0" cy="0"/>
+          <a:chOff x="0" y="0"/>
+          <a:chExt cx="0" cy="0"/>
+        </a:xfrm>
+      </p:grpSpPr>
+      <p:sp>
+        <p:nvSpPr>
+          <p:cNvPr id="5" name="Titel 4"/>
+          <p:cNvSpPr>
+            <a:spLocks noGrp="1"/>
+          </p:cNvSpPr>
+          <p:nvPr>
+            <p:ph type="title"/>
+          </p:nvPr>
+        </p:nvSpPr>
+        <p:spPr/>
+        <p:txBody>
+          <a:bodyPr/>
+          <a:lstStyle/>
+          <a:p>
+            <a:r>
+              <a:rPr lang="de-DE" dirty="0" smtClean="0"/>
+              <a:t>Demo</a:t>
+            </a:r>
+            <a:endParaRPr lang="de-DE" dirty="0"/>
+          </a:p>
+        </p:txBody>
+      </p:sp>
+      <p:sp>
+        <p:nvSpPr>
+          <p:cNvPr id="6" name="Untertitel 5"/>
+          <p:cNvSpPr>
+            <a:spLocks noGrp="1"/>
+          </p:cNvSpPr>
+          <p:nvPr>
+            <p:ph type="subTitle" idx="1"/>
+          </p:nvPr>
+        </p:nvSpPr>
+        <p:spPr/>
+        <p:txBody>
+          <a:bodyPr/>
+          <a:lstStyle/>
+          <a:p>
+            <a:r>
+              <a:rPr lang="de-DE" dirty="0" smtClean="0"/>
+              <a:t>Fluent API</a:t>
+            </a:r>
+            <a:endParaRPr lang="de-DE" dirty="0"/>
+          </a:p>
+        </p:txBody>
+      </p:sp>
+      <p:sp>
+        <p:nvSpPr>
+          <p:cNvPr id="4" name="Foliennummernplatzhalter 3"/>
+          <p:cNvSpPr>
+            <a:spLocks noGrp="1"/>
+          </p:cNvSpPr>
+          <p:nvPr>
+            <p:ph type="sldNum" sz="quarter" idx="10"/>
+          </p:nvPr>
+        </p:nvSpPr>
+        <p:spPr/>
+        <p:txBody>
+          <a:bodyPr/>
+          <a:lstStyle/>
+          <a:p>
+            <a:fld id="{8F35CB8A-22DD-4279-9E9E-A49CDB5FBE56}" type="slidenum">
+              <a:rPr lang="en-US" smtClean="0"/>
+              <a:pPr/>
+              <a:t>27</a:t>
+            </a:fld>
+            <a:endParaRPr lang="en-US" dirty="0"/>
+          </a:p>
+        </p:txBody>
+      </p:sp>
+    </p:spTree>
+    <p:extLst>
+      <p:ext uri="{BB962C8B-B14F-4D97-AF65-F5344CB8AC3E}">
+        <p14:creationId xmlns:p14="http://schemas.microsoft.com/office/powerpoint/2010/main" val="1086633653"/>
+      </p:ext>
+    </p:extLst>
+  </p:cSld>
+  <p:clrMapOvr>
+    <a:masterClrMapping/>
+  </p:clrMapOvr>
+</p:sld>
+</file>
+
+<file path=ppt/slides/slide28.xml><?xml version="1.0" encoding="utf-8"?>
+<p:sld xmlns:a="http://schemas.openxmlformats.org/drawingml/2006/main" xmlns:r="http://schemas.openxmlformats.org/officeDocument/2006/relationships" xmlns:p="http://schemas.openxmlformats.org/presentationml/2006/main">
+  <p:cSld>
+    <p:spTree>
+      <p:nvGrpSpPr>
+        <p:cNvPr id="1" name=""/>
+        <p:cNvGrpSpPr/>
+        <p:nvPr/>
+      </p:nvGrpSpPr>
+      <p:grpSpPr>
+        <a:xfrm>
+          <a:off x="0" y="0"/>
+          <a:ext cx="0" cy="0"/>
+          <a:chOff x="0" y="0"/>
+          <a:chExt cx="0" cy="0"/>
+        </a:xfrm>
+      </p:grpSpPr>
+      <p:sp>
+        <p:nvSpPr>
+          <p:cNvPr id="5" name="Titel 4"/>
+          <p:cNvSpPr>
+            <a:spLocks noGrp="1"/>
+          </p:cNvSpPr>
+          <p:nvPr>
+            <p:ph type="title"/>
+          </p:nvPr>
+        </p:nvSpPr>
+        <p:spPr/>
+        <p:txBody>
+          <a:bodyPr/>
+          <a:lstStyle/>
+          <a:p>
+            <a:r>
+              <a:rPr lang="de-DE" dirty="0" smtClean="0"/>
+              <a:t>RECAP: Fluent-API</a:t>
+            </a:r>
+            <a:endParaRPr lang="de-DE" dirty="0"/>
+          </a:p>
+        </p:txBody>
+      </p:sp>
+      <p:sp>
+        <p:nvSpPr>
+          <p:cNvPr id="6" name="Inhaltsplatzhalter 5"/>
+          <p:cNvSpPr>
+            <a:spLocks noGrp="1"/>
+          </p:cNvSpPr>
+          <p:nvPr>
+            <p:ph idx="1"/>
+          </p:nvPr>
+        </p:nvSpPr>
+        <p:spPr/>
+        <p:txBody>
+          <a:bodyPr/>
+          <a:lstStyle/>
+          <a:p>
+            <a:r>
+              <a:rPr lang="de-DE" dirty="0" smtClean="0"/>
+              <a:t>In der Kontextklasse OnModelCreating überschreiben</a:t>
+            </a:r>
+          </a:p>
+          <a:p>
+            <a:r>
+              <a:rPr lang="de-DE" dirty="0" smtClean="0"/>
+              <a:t>Entity T konfigurieren</a:t>
+            </a:r>
+          </a:p>
+          <a:p>
+            <a:endParaRPr lang="de-DE" dirty="0"/>
+          </a:p>
+          <a:p>
+            <a:endParaRPr lang="de-DE" dirty="0" smtClean="0"/>
+          </a:p>
+          <a:p>
+            <a:endParaRPr lang="de-DE" dirty="0"/>
+          </a:p>
+          <a:p>
+            <a:endParaRPr lang="de-DE" dirty="0" smtClean="0"/>
+          </a:p>
+          <a:p>
+            <a:endParaRPr lang="de-DE" dirty="0"/>
+          </a:p>
+          <a:p>
+            <a:r>
+              <a:rPr lang="de-DE" dirty="0" smtClean="0"/>
+              <a:t>Aneinanderkettung möglich</a:t>
+            </a:r>
+          </a:p>
+          <a:p>
+            <a:pPr lvl="1"/>
+            <a:endParaRPr lang="de-DE" dirty="0"/>
+          </a:p>
+        </p:txBody>
+      </p:sp>
+      <p:sp>
+        <p:nvSpPr>
+          <p:cNvPr id="4" name="Foliennummernplatzhalter 3"/>
+          <p:cNvSpPr>
+            <a:spLocks noGrp="1"/>
+          </p:cNvSpPr>
+          <p:nvPr>
+            <p:ph type="sldNum" sz="quarter" idx="12"/>
+          </p:nvPr>
+        </p:nvSpPr>
+        <p:spPr/>
+        <p:txBody>
+          <a:bodyPr/>
+          <a:lstStyle/>
+          <a:p>
+            <a:fld id="{8F35CB8A-22DD-4279-9E9E-A49CDB5FBE56}" type="slidenum">
+              <a:rPr lang="en-US" smtClean="0"/>
+              <a:pPr/>
+              <a:t>28</a:t>
+            </a:fld>
+            <a:endParaRPr lang="en-US" dirty="0"/>
+          </a:p>
+        </p:txBody>
+      </p:sp>
+      <p:pic>
+        <p:nvPicPr>
+          <p:cNvPr id="7" name="Grafik 6"/>
+          <p:cNvPicPr>
+            <a:picLocks noChangeAspect="1"/>
+          </p:cNvPicPr>
+          <p:nvPr/>
+        </p:nvPicPr>
+        <p:blipFill>
+          <a:blip r:embed="rId2"/>
+          <a:stretch>
+            <a:fillRect/>
+          </a:stretch>
+        </p:blipFill>
+        <p:spPr>
+          <a:xfrm>
+            <a:off x="927272" y="2150752"/>
+            <a:ext cx="4618762" cy="1704367"/>
+          </a:xfrm>
+          <a:prstGeom prst="rect">
+            <a:avLst/>
+          </a:prstGeom>
+        </p:spPr>
+      </p:pic>
+      <p:pic>
+        <p:nvPicPr>
+          <p:cNvPr id="8" name="Grafik 7"/>
+          <p:cNvPicPr>
+            <a:picLocks noChangeAspect="1"/>
+          </p:cNvPicPr>
+          <p:nvPr/>
+        </p:nvPicPr>
+        <p:blipFill>
+          <a:blip r:embed="rId3"/>
+          <a:stretch>
+            <a:fillRect/>
+          </a:stretch>
+        </p:blipFill>
+        <p:spPr>
+          <a:xfrm>
+            <a:off x="899939" y="4352075"/>
+            <a:ext cx="4074249" cy="1545124"/>
+          </a:xfrm>
+          <a:prstGeom prst="rect">
+            <a:avLst/>
+          </a:prstGeom>
+        </p:spPr>
+      </p:pic>
+    </p:spTree>
+    <p:extLst>
+      <p:ext uri="{BB962C8B-B14F-4D97-AF65-F5344CB8AC3E}">
+        <p14:creationId xmlns:p14="http://schemas.microsoft.com/office/powerpoint/2010/main" val="2097393781"/>
+      </p:ext>
+    </p:extLst>
+  </p:cSld>
+  <p:clrMapOvr>
+    <a:masterClrMapping/>
+  </p:clrMapOvr>
+</p:sld>
+</file>
+
+<file path=ppt/slides/slide29.xml><?xml version="1.0" encoding="utf-8"?>
+<p:sld xmlns:a="http://schemas.openxmlformats.org/drawingml/2006/main" xmlns:r="http://schemas.openxmlformats.org/officeDocument/2006/relationships" xmlns:p="http://schemas.openxmlformats.org/presentationml/2006/main">
+  <p:cSld>
+    <p:spTree>
+      <p:nvGrpSpPr>
+        <p:cNvPr id="1" name=""/>
+        <p:cNvGrpSpPr/>
+        <p:nvPr/>
+      </p:nvGrpSpPr>
+      <p:grpSpPr>
+        <a:xfrm>
+          <a:off x="0" y="0"/>
+          <a:ext cx="0" cy="0"/>
+          <a:chOff x="0" y="0"/>
+          <a:chExt cx="0" cy="0"/>
+        </a:xfrm>
+      </p:grpSpPr>
+      <p:sp>
+        <p:nvSpPr>
+          <p:cNvPr id="2" name="Titel 1"/>
+          <p:cNvSpPr>
+            <a:spLocks noGrp="1"/>
+          </p:cNvSpPr>
+          <p:nvPr>
+            <p:ph type="title"/>
+          </p:nvPr>
+        </p:nvSpPr>
+        <p:spPr/>
+        <p:txBody>
+          <a:bodyPr/>
+          <a:lstStyle/>
+          <a:p>
+            <a:r>
+              <a:rPr lang="de-DE" dirty="0" smtClean="0"/>
+              <a:t>Data Annotations im Code-First-Approach I</a:t>
+            </a:r>
+            <a:endParaRPr lang="de-DE" dirty="0"/>
+          </a:p>
+        </p:txBody>
+      </p:sp>
+      <p:sp>
+        <p:nvSpPr>
+          <p:cNvPr id="3" name="Inhaltsplatzhalter 2"/>
+          <p:cNvSpPr>
+            <a:spLocks noGrp="1"/>
+          </p:cNvSpPr>
+          <p:nvPr>
+            <p:ph idx="1"/>
+          </p:nvPr>
+        </p:nvSpPr>
+        <p:spPr/>
+        <p:txBody>
+          <a:bodyPr/>
+          <a:lstStyle/>
+          <a:p>
+            <a:r>
+              <a:rPr lang="de-DE" dirty="0" smtClean="0"/>
+              <a:t>Mapping auf eigene Bedürfnisse anpassen</a:t>
+            </a:r>
+          </a:p>
+          <a:p>
+            <a:pPr lvl="1"/>
+            <a:r>
+              <a:rPr lang="de-DE" dirty="0" smtClean="0"/>
+              <a:t>Ähnlich wie Fluent-API</a:t>
+            </a:r>
+          </a:p>
+          <a:p>
+            <a:pPr lvl="1"/>
+            <a:r>
+              <a:rPr lang="de-DE" dirty="0" smtClean="0"/>
+              <a:t>Einschränkungen werden nicht an zentrale Stelle gesammelt</a:t>
+            </a:r>
+          </a:p>
+          <a:p>
+            <a:pPr lvl="1"/>
+            <a:r>
+              <a:rPr lang="de-DE" dirty="0" smtClean="0"/>
+              <a:t>Einschränkungen stehen da, wo Eigenschaften und Typen definiert sind</a:t>
+            </a:r>
+          </a:p>
+          <a:p>
+            <a:r>
+              <a:rPr lang="de-DE" dirty="0" smtClean="0"/>
+              <a:t>Namespace</a:t>
+            </a:r>
+          </a:p>
+          <a:p>
+            <a:pPr lvl="1"/>
+            <a:r>
+              <a:rPr lang="de-DE" dirty="0" smtClean="0"/>
+              <a:t>System.ComponentModel.DataAnnotations</a:t>
+            </a:r>
+            <a:endParaRPr lang="de-DE" dirty="0"/>
+          </a:p>
+        </p:txBody>
+      </p:sp>
+      <p:sp>
+        <p:nvSpPr>
+          <p:cNvPr id="4" name="Foliennummernplatzhalter 3"/>
+          <p:cNvSpPr>
+            <a:spLocks noGrp="1"/>
+          </p:cNvSpPr>
+          <p:nvPr>
+            <p:ph type="sldNum" sz="quarter" idx="12"/>
+          </p:nvPr>
+        </p:nvSpPr>
+        <p:spPr/>
+        <p:txBody>
+          <a:bodyPr/>
+          <a:lstStyle/>
+          <a:p>
+            <a:fld id="{8F35CB8A-22DD-4279-9E9E-A49CDB5FBE56}" type="slidenum">
+              <a:rPr lang="en-US" smtClean="0"/>
+              <a:pPr/>
+              <a:t>29</a:t>
+            </a:fld>
+            <a:endParaRPr lang="en-US" dirty="0"/>
+          </a:p>
+        </p:txBody>
+      </p:sp>
+    </p:spTree>
+    <p:extLst>
+      <p:ext uri="{BB962C8B-B14F-4D97-AF65-F5344CB8AC3E}">
+        <p14:creationId xmlns:p14="http://schemas.microsoft.com/office/powerpoint/2010/main" val="1431147374"/>
+      </p:ext>
+    </p:extLst>
+  </p:cSld>
+  <p:clrMapOvr>
+    <a:masterClrMapping/>
+  </p:clrMapOvr>
+</p:sld>
+</file>
+
 <file path=ppt/slides/slide3.xml><?xml version="1.0" encoding="utf-8"?>
 <p:sld xmlns:a="http://schemas.openxmlformats.org/drawingml/2006/main" xmlns:r="http://schemas.openxmlformats.org/officeDocument/2006/relationships" xmlns:p="http://schemas.openxmlformats.org/presentationml/2006/main">
   <p:cSld>
@@ -4923,17 +7859,12 @@
           <a:p>
             <a:r>
               <a:rPr lang="de-DE" dirty="0" smtClean="0"/>
-              <a:t>03 </a:t>
-            </a:r>
-            <a:r>
-              <a:rPr lang="de-DE" dirty="0" smtClean="0"/>
-              <a:t>| </a:t>
+              <a:t>03 | </a:t>
             </a:r>
             <a:r>
               <a:rPr lang="de-DE" dirty="0"/>
               <a:t>Datenmodellierung und -abfrage mit dem Entity Framework</a:t>
             </a:r>
-            <a:endParaRPr lang="de-DE" dirty="0"/>
           </a:p>
         </p:txBody>
       </p:sp>
@@ -4960,12 +7891,1167 @@
           </a:p>
         </p:txBody>
       </p:sp>
+      <p:pic>
+        <p:nvPicPr>
+          <p:cNvPr id="3" name="Grafik 2"/>
+          <p:cNvPicPr>
+            <a:picLocks noChangeAspect="1"/>
+          </p:cNvPicPr>
+          <p:nvPr/>
+        </p:nvPicPr>
+        <p:blipFill>
+          <a:blip r:embed="rId2"/>
+          <a:stretch>
+            <a:fillRect/>
+          </a:stretch>
+        </p:blipFill>
+        <p:spPr>
+          <a:xfrm>
+            <a:off x="2186608" y="1354965"/>
+            <a:ext cx="7394714" cy="5320500"/>
+          </a:xfrm>
+          <a:prstGeom prst="rect">
+            <a:avLst/>
+          </a:prstGeom>
+        </p:spPr>
+      </p:pic>
     </p:spTree>
     <p:extLst>
       <p:ext uri="{BB962C8B-B14F-4D97-AF65-F5344CB8AC3E}">
         <p14:creationId xmlns:p14="http://schemas.microsoft.com/office/powerpoint/2010/main" val="3075312266"/>
       </p:ext>
     </p:extLst>
+  </p:cSld>
+  <p:clrMapOvr>
+    <a:masterClrMapping/>
+  </p:clrMapOvr>
+  <p:timing>
+    <p:tnLst>
+      <p:par>
+        <p:cTn id="1" dur="indefinite" restart="never" nodeType="tmRoot"/>
+      </p:par>
+    </p:tnLst>
+  </p:timing>
+</p:sld>
+</file>
+
+<file path=ppt/slides/slide30.xml><?xml version="1.0" encoding="utf-8"?>
+<p:sld xmlns:a="http://schemas.openxmlformats.org/drawingml/2006/main" xmlns:r="http://schemas.openxmlformats.org/officeDocument/2006/relationships" xmlns:p="http://schemas.openxmlformats.org/presentationml/2006/main">
+  <p:cSld>
+    <p:spTree>
+      <p:nvGrpSpPr>
+        <p:cNvPr id="1" name=""/>
+        <p:cNvGrpSpPr/>
+        <p:nvPr/>
+      </p:nvGrpSpPr>
+      <p:grpSpPr>
+        <a:xfrm>
+          <a:off x="0" y="0"/>
+          <a:ext cx="0" cy="0"/>
+          <a:chOff x="0" y="0"/>
+          <a:chExt cx="0" cy="0"/>
+        </a:xfrm>
+      </p:grpSpPr>
+      <p:sp>
+        <p:nvSpPr>
+          <p:cNvPr id="2" name="Titel 1"/>
+          <p:cNvSpPr>
+            <a:spLocks noGrp="1"/>
+          </p:cNvSpPr>
+          <p:nvPr>
+            <p:ph type="title"/>
+          </p:nvPr>
+        </p:nvSpPr>
+        <p:spPr/>
+        <p:txBody>
+          <a:bodyPr/>
+          <a:lstStyle/>
+          <a:p>
+            <a:r>
+              <a:rPr lang="de-DE" dirty="0" smtClean="0"/>
+              <a:t>Primärschlüssel angeben</a:t>
+            </a:r>
+            <a:endParaRPr lang="de-DE" dirty="0"/>
+          </a:p>
+        </p:txBody>
+      </p:sp>
+      <p:sp>
+        <p:nvSpPr>
+          <p:cNvPr id="3" name="Inhaltsplatzhalter 2"/>
+          <p:cNvSpPr>
+            <a:spLocks noGrp="1"/>
+          </p:cNvSpPr>
+          <p:nvPr>
+            <p:ph idx="1"/>
+          </p:nvPr>
+        </p:nvSpPr>
+        <p:spPr/>
+        <p:txBody>
+          <a:bodyPr/>
+          <a:lstStyle/>
+          <a:p>
+            <a:r>
+              <a:rPr lang="de-DE" dirty="0" smtClean="0"/>
+              <a:t>Andere Eigenschaft als Primärschlüssel</a:t>
+            </a:r>
+          </a:p>
+          <a:p>
+            <a:endParaRPr lang="de-DE" dirty="0"/>
+          </a:p>
+          <a:p>
+            <a:endParaRPr lang="de-DE" dirty="0" smtClean="0"/>
+          </a:p>
+          <a:p>
+            <a:endParaRPr lang="de-DE" dirty="0"/>
+          </a:p>
+          <a:p>
+            <a:endParaRPr lang="de-DE" dirty="0" smtClean="0"/>
+          </a:p>
+          <a:p>
+            <a:endParaRPr lang="de-DE" dirty="0" smtClean="0"/>
+          </a:p>
+          <a:p>
+            <a:r>
+              <a:rPr lang="de-DE" dirty="0" smtClean="0"/>
+              <a:t>Verbundschlüssel (mehrere Spalten definieren Schlüssel)</a:t>
+            </a:r>
+          </a:p>
+          <a:p>
+            <a:endParaRPr lang="de-DE" dirty="0"/>
+          </a:p>
+        </p:txBody>
+      </p:sp>
+      <p:sp>
+        <p:nvSpPr>
+          <p:cNvPr id="4" name="Foliennummernplatzhalter 3"/>
+          <p:cNvSpPr>
+            <a:spLocks noGrp="1"/>
+          </p:cNvSpPr>
+          <p:nvPr>
+            <p:ph type="sldNum" sz="quarter" idx="12"/>
+          </p:nvPr>
+        </p:nvSpPr>
+        <p:spPr/>
+        <p:txBody>
+          <a:bodyPr/>
+          <a:lstStyle/>
+          <a:p>
+            <a:fld id="{8F35CB8A-22DD-4279-9E9E-A49CDB5FBE56}" type="slidenum">
+              <a:rPr lang="en-US" smtClean="0"/>
+              <a:pPr/>
+              <a:t>30</a:t>
+            </a:fld>
+            <a:endParaRPr lang="en-US" dirty="0"/>
+          </a:p>
+        </p:txBody>
+      </p:sp>
+      <p:pic>
+        <p:nvPicPr>
+          <p:cNvPr id="5" name="Grafik 4"/>
+          <p:cNvPicPr>
+            <a:picLocks noChangeAspect="1"/>
+          </p:cNvPicPr>
+          <p:nvPr/>
+        </p:nvPicPr>
+        <p:blipFill>
+          <a:blip r:embed="rId2"/>
+          <a:stretch>
+            <a:fillRect/>
+          </a:stretch>
+        </p:blipFill>
+        <p:spPr>
+          <a:xfrm>
+            <a:off x="587299" y="1670154"/>
+            <a:ext cx="4461780" cy="1424770"/>
+          </a:xfrm>
+          <a:prstGeom prst="rect">
+            <a:avLst/>
+          </a:prstGeom>
+        </p:spPr>
+      </p:pic>
+      <p:pic>
+        <p:nvPicPr>
+          <p:cNvPr id="6" name="Grafik 5"/>
+          <p:cNvPicPr>
+            <a:picLocks noChangeAspect="1"/>
+          </p:cNvPicPr>
+          <p:nvPr/>
+        </p:nvPicPr>
+        <p:blipFill>
+          <a:blip r:embed="rId3"/>
+          <a:stretch>
+            <a:fillRect/>
+          </a:stretch>
+        </p:blipFill>
+        <p:spPr>
+          <a:xfrm>
+            <a:off x="587298" y="4026124"/>
+            <a:ext cx="4453765" cy="1850356"/>
+          </a:xfrm>
+          <a:prstGeom prst="rect">
+            <a:avLst/>
+          </a:prstGeom>
+        </p:spPr>
+      </p:pic>
+    </p:spTree>
+    <p:extLst>
+      <p:ext uri="{BB962C8B-B14F-4D97-AF65-F5344CB8AC3E}">
+        <p14:creationId xmlns:p14="http://schemas.microsoft.com/office/powerpoint/2010/main" val="3817162044"/>
+      </p:ext>
+    </p:extLst>
+  </p:cSld>
+  <p:clrMapOvr>
+    <a:masterClrMapping/>
+  </p:clrMapOvr>
+</p:sld>
+</file>
+
+<file path=ppt/slides/slide31.xml><?xml version="1.0" encoding="utf-8"?>
+<p:sld xmlns:a="http://schemas.openxmlformats.org/drawingml/2006/main" xmlns:r="http://schemas.openxmlformats.org/officeDocument/2006/relationships" xmlns:p="http://schemas.openxmlformats.org/presentationml/2006/main">
+  <p:cSld>
+    <p:spTree>
+      <p:nvGrpSpPr>
+        <p:cNvPr id="1" name=""/>
+        <p:cNvGrpSpPr/>
+        <p:nvPr/>
+      </p:nvGrpSpPr>
+      <p:grpSpPr>
+        <a:xfrm>
+          <a:off x="0" y="0"/>
+          <a:ext cx="0" cy="0"/>
+          <a:chOff x="0" y="0"/>
+          <a:chExt cx="0" cy="0"/>
+        </a:xfrm>
+      </p:grpSpPr>
+      <p:sp>
+        <p:nvSpPr>
+          <p:cNvPr id="2" name="Titel 1"/>
+          <p:cNvSpPr>
+            <a:spLocks noGrp="1"/>
+          </p:cNvSpPr>
+          <p:nvPr>
+            <p:ph type="title"/>
+          </p:nvPr>
+        </p:nvSpPr>
+        <p:spPr/>
+        <p:txBody>
+          <a:bodyPr/>
+          <a:lstStyle/>
+          <a:p>
+            <a:r>
+              <a:rPr lang="de-DE" dirty="0" smtClean="0"/>
+              <a:t>Einschränkung für Eigenschaften</a:t>
+            </a:r>
+            <a:endParaRPr lang="de-DE" dirty="0"/>
+          </a:p>
+        </p:txBody>
+      </p:sp>
+      <p:sp>
+        <p:nvSpPr>
+          <p:cNvPr id="3" name="Inhaltsplatzhalter 2"/>
+          <p:cNvSpPr>
+            <a:spLocks noGrp="1"/>
+          </p:cNvSpPr>
+          <p:nvPr>
+            <p:ph idx="1"/>
+          </p:nvPr>
+        </p:nvSpPr>
+        <p:spPr/>
+        <p:txBody>
+          <a:bodyPr/>
+          <a:lstStyle/>
+          <a:p>
+            <a:r>
+              <a:rPr lang="de-DE" dirty="0" smtClean="0"/>
+              <a:t>Erforderliche Eigenschaft</a:t>
+            </a:r>
+          </a:p>
+          <a:p>
+            <a:endParaRPr lang="de-DE" dirty="0"/>
+          </a:p>
+          <a:p>
+            <a:endParaRPr lang="de-DE" dirty="0" smtClean="0"/>
+          </a:p>
+          <a:p>
+            <a:endParaRPr lang="de-DE" dirty="0" smtClean="0"/>
+          </a:p>
+          <a:p>
+            <a:endParaRPr lang="de-DE" dirty="0"/>
+          </a:p>
+          <a:p>
+            <a:r>
+              <a:rPr lang="de-DE" dirty="0" smtClean="0"/>
+              <a:t>Minimale/Maximale Länge</a:t>
+            </a:r>
+          </a:p>
+          <a:p>
+            <a:endParaRPr lang="de-DE" dirty="0"/>
+          </a:p>
+          <a:p>
+            <a:endParaRPr lang="de-DE" dirty="0" smtClean="0"/>
+          </a:p>
+          <a:p>
+            <a:endParaRPr lang="de-DE" dirty="0"/>
+          </a:p>
+        </p:txBody>
+      </p:sp>
+      <p:sp>
+        <p:nvSpPr>
+          <p:cNvPr id="4" name="Foliennummernplatzhalter 3"/>
+          <p:cNvSpPr>
+            <a:spLocks noGrp="1"/>
+          </p:cNvSpPr>
+          <p:nvPr>
+            <p:ph type="sldNum" sz="quarter" idx="12"/>
+          </p:nvPr>
+        </p:nvSpPr>
+        <p:spPr/>
+        <p:txBody>
+          <a:bodyPr/>
+          <a:lstStyle/>
+          <a:p>
+            <a:fld id="{8F35CB8A-22DD-4279-9E9E-A49CDB5FBE56}" type="slidenum">
+              <a:rPr lang="en-US" smtClean="0"/>
+              <a:pPr/>
+              <a:t>31</a:t>
+            </a:fld>
+            <a:endParaRPr lang="en-US" dirty="0"/>
+          </a:p>
+        </p:txBody>
+      </p:sp>
+      <p:pic>
+        <p:nvPicPr>
+          <p:cNvPr id="5" name="Grafik 4"/>
+          <p:cNvPicPr>
+            <a:picLocks noChangeAspect="1"/>
+          </p:cNvPicPr>
+          <p:nvPr/>
+        </p:nvPicPr>
+        <p:blipFill>
+          <a:blip r:embed="rId2"/>
+          <a:stretch>
+            <a:fillRect/>
+          </a:stretch>
+        </p:blipFill>
+        <p:spPr>
+          <a:xfrm>
+            <a:off x="587298" y="1949450"/>
+            <a:ext cx="5743575" cy="1000125"/>
+          </a:xfrm>
+          <a:prstGeom prst="rect">
+            <a:avLst/>
+          </a:prstGeom>
+        </p:spPr>
+      </p:pic>
+      <p:pic>
+        <p:nvPicPr>
+          <p:cNvPr id="6" name="Grafik 5"/>
+          <p:cNvPicPr>
+            <a:picLocks noChangeAspect="1"/>
+          </p:cNvPicPr>
+          <p:nvPr/>
+        </p:nvPicPr>
+        <p:blipFill>
+          <a:blip r:embed="rId3"/>
+          <a:stretch>
+            <a:fillRect/>
+          </a:stretch>
+        </p:blipFill>
+        <p:spPr>
+          <a:xfrm>
+            <a:off x="595313" y="3675605"/>
+            <a:ext cx="5191125" cy="895350"/>
+          </a:xfrm>
+          <a:prstGeom prst="rect">
+            <a:avLst/>
+          </a:prstGeom>
+        </p:spPr>
+      </p:pic>
+    </p:spTree>
+    <p:extLst>
+      <p:ext uri="{BB962C8B-B14F-4D97-AF65-F5344CB8AC3E}">
+        <p14:creationId xmlns:p14="http://schemas.microsoft.com/office/powerpoint/2010/main" val="1853221495"/>
+      </p:ext>
+    </p:extLst>
+  </p:cSld>
+  <p:clrMapOvr>
+    <a:masterClrMapping/>
+  </p:clrMapOvr>
+</p:sld>
+</file>
+
+<file path=ppt/slides/slide32.xml><?xml version="1.0" encoding="utf-8"?>
+<p:sld xmlns:a="http://schemas.openxmlformats.org/drawingml/2006/main" xmlns:r="http://schemas.openxmlformats.org/officeDocument/2006/relationships" xmlns:p="http://schemas.openxmlformats.org/presentationml/2006/main">
+  <p:cSld>
+    <p:spTree>
+      <p:nvGrpSpPr>
+        <p:cNvPr id="1" name=""/>
+        <p:cNvGrpSpPr/>
+        <p:nvPr/>
+      </p:nvGrpSpPr>
+      <p:grpSpPr>
+        <a:xfrm>
+          <a:off x="0" y="0"/>
+          <a:ext cx="0" cy="0"/>
+          <a:chOff x="0" y="0"/>
+          <a:chExt cx="0" cy="0"/>
+        </a:xfrm>
+      </p:grpSpPr>
+      <p:sp>
+        <p:nvSpPr>
+          <p:cNvPr id="2" name="Titel 1"/>
+          <p:cNvSpPr>
+            <a:spLocks noGrp="1"/>
+          </p:cNvSpPr>
+          <p:nvPr>
+            <p:ph type="title"/>
+          </p:nvPr>
+        </p:nvSpPr>
+        <p:spPr/>
+        <p:txBody>
+          <a:bodyPr/>
+          <a:lstStyle/>
+          <a:p>
+            <a:r>
+              <a:rPr lang="de-DE" dirty="0" smtClean="0"/>
+              <a:t>Abbilden auf bestimmte Spalten oder Tabellen</a:t>
+            </a:r>
+            <a:endParaRPr lang="de-DE" dirty="0"/>
+          </a:p>
+        </p:txBody>
+      </p:sp>
+      <p:sp>
+        <p:nvSpPr>
+          <p:cNvPr id="3" name="Inhaltsplatzhalter 2"/>
+          <p:cNvSpPr>
+            <a:spLocks noGrp="1"/>
+          </p:cNvSpPr>
+          <p:nvPr>
+            <p:ph idx="1"/>
+          </p:nvPr>
+        </p:nvSpPr>
+        <p:spPr/>
+        <p:txBody>
+          <a:bodyPr/>
+          <a:lstStyle/>
+          <a:p>
+            <a:r>
+              <a:rPr lang="de-DE" dirty="0" smtClean="0"/>
+              <a:t>Nicht in der Datenbank speichern</a:t>
+            </a:r>
+          </a:p>
+          <a:p>
+            <a:endParaRPr lang="de-DE" dirty="0" smtClean="0"/>
+          </a:p>
+          <a:p>
+            <a:endParaRPr lang="de-DE" dirty="0"/>
+          </a:p>
+          <a:p>
+            <a:endParaRPr lang="de-DE" dirty="0" smtClean="0"/>
+          </a:p>
+          <a:p>
+            <a:endParaRPr lang="de-DE" dirty="0"/>
+          </a:p>
+          <a:p>
+            <a:r>
+              <a:rPr lang="de-DE" dirty="0" smtClean="0"/>
+              <a:t>Auf eine bestimmte Spalte abbilden</a:t>
+            </a:r>
+          </a:p>
+          <a:p>
+            <a:endParaRPr lang="de-DE" dirty="0" smtClean="0"/>
+          </a:p>
+          <a:p>
+            <a:endParaRPr lang="de-DE" dirty="0"/>
+          </a:p>
+          <a:p>
+            <a:endParaRPr lang="de-DE" dirty="0"/>
+          </a:p>
+          <a:p>
+            <a:r>
+              <a:rPr lang="de-DE" dirty="0" smtClean="0"/>
+              <a:t>Eine Entity auf eine andere Tabelle abbilden</a:t>
+            </a:r>
+          </a:p>
+          <a:p>
+            <a:endParaRPr lang="de-DE" dirty="0"/>
+          </a:p>
+          <a:p>
+            <a:endParaRPr lang="de-DE" dirty="0"/>
+          </a:p>
+        </p:txBody>
+      </p:sp>
+      <p:sp>
+        <p:nvSpPr>
+          <p:cNvPr id="4" name="Foliennummernplatzhalter 3"/>
+          <p:cNvSpPr>
+            <a:spLocks noGrp="1"/>
+          </p:cNvSpPr>
+          <p:nvPr>
+            <p:ph type="sldNum" sz="quarter" idx="12"/>
+          </p:nvPr>
+        </p:nvSpPr>
+        <p:spPr/>
+        <p:txBody>
+          <a:bodyPr/>
+          <a:lstStyle/>
+          <a:p>
+            <a:fld id="{8F35CB8A-22DD-4279-9E9E-A49CDB5FBE56}" type="slidenum">
+              <a:rPr lang="en-US" smtClean="0"/>
+              <a:pPr/>
+              <a:t>32</a:t>
+            </a:fld>
+            <a:endParaRPr lang="en-US" dirty="0"/>
+          </a:p>
+        </p:txBody>
+      </p:sp>
+      <p:pic>
+        <p:nvPicPr>
+          <p:cNvPr id="5" name="Grafik 4"/>
+          <p:cNvPicPr>
+            <a:picLocks noChangeAspect="1"/>
+          </p:cNvPicPr>
+          <p:nvPr/>
+        </p:nvPicPr>
+        <p:blipFill>
+          <a:blip r:embed="rId2"/>
+          <a:stretch>
+            <a:fillRect/>
+          </a:stretch>
+        </p:blipFill>
+        <p:spPr>
+          <a:xfrm>
+            <a:off x="595312" y="1763125"/>
+            <a:ext cx="6320155" cy="1072902"/>
+          </a:xfrm>
+          <a:prstGeom prst="rect">
+            <a:avLst/>
+          </a:prstGeom>
+        </p:spPr>
+      </p:pic>
+      <p:pic>
+        <p:nvPicPr>
+          <p:cNvPr id="6" name="Grafik 5"/>
+          <p:cNvPicPr>
+            <a:picLocks noChangeAspect="1"/>
+          </p:cNvPicPr>
+          <p:nvPr/>
+        </p:nvPicPr>
+        <p:blipFill>
+          <a:blip r:embed="rId3"/>
+          <a:stretch>
+            <a:fillRect/>
+          </a:stretch>
+        </p:blipFill>
+        <p:spPr>
+          <a:xfrm>
+            <a:off x="671513" y="3429793"/>
+            <a:ext cx="7429500" cy="819150"/>
+          </a:xfrm>
+          <a:prstGeom prst="rect">
+            <a:avLst/>
+          </a:prstGeom>
+        </p:spPr>
+      </p:pic>
+      <p:pic>
+        <p:nvPicPr>
+          <p:cNvPr id="7" name="Grafik 6"/>
+          <p:cNvPicPr>
+            <a:picLocks noChangeAspect="1"/>
+          </p:cNvPicPr>
+          <p:nvPr/>
+        </p:nvPicPr>
+        <p:blipFill>
+          <a:blip r:embed="rId4"/>
+          <a:stretch>
+            <a:fillRect/>
+          </a:stretch>
+        </p:blipFill>
+        <p:spPr>
+          <a:xfrm>
+            <a:off x="595313" y="5076855"/>
+            <a:ext cx="4095750" cy="723900"/>
+          </a:xfrm>
+          <a:prstGeom prst="rect">
+            <a:avLst/>
+          </a:prstGeom>
+        </p:spPr>
+      </p:pic>
+    </p:spTree>
+    <p:extLst>
+      <p:ext uri="{BB962C8B-B14F-4D97-AF65-F5344CB8AC3E}">
+        <p14:creationId xmlns:p14="http://schemas.microsoft.com/office/powerpoint/2010/main" val="3624025726"/>
+      </p:ext>
+    </p:extLst>
+  </p:cSld>
+  <p:clrMapOvr>
+    <a:masterClrMapping/>
+  </p:clrMapOvr>
+</p:sld>
+</file>
+
+<file path=ppt/slides/slide33.xml><?xml version="1.0" encoding="utf-8"?>
+<p:sld xmlns:a="http://schemas.openxmlformats.org/drawingml/2006/main" xmlns:r="http://schemas.openxmlformats.org/officeDocument/2006/relationships" xmlns:p="http://schemas.openxmlformats.org/presentationml/2006/main">
+  <p:cSld>
+    <p:spTree>
+      <p:nvGrpSpPr>
+        <p:cNvPr id="1" name=""/>
+        <p:cNvGrpSpPr/>
+        <p:nvPr/>
+      </p:nvGrpSpPr>
+      <p:grpSpPr>
+        <a:xfrm>
+          <a:off x="0" y="0"/>
+          <a:ext cx="0" cy="0"/>
+          <a:chOff x="0" y="0"/>
+          <a:chExt cx="0" cy="0"/>
+        </a:xfrm>
+      </p:grpSpPr>
+      <p:sp>
+        <p:nvSpPr>
+          <p:cNvPr id="2" name="Titel 1"/>
+          <p:cNvSpPr>
+            <a:spLocks noGrp="1"/>
+          </p:cNvSpPr>
+          <p:nvPr>
+            <p:ph type="title"/>
+          </p:nvPr>
+        </p:nvSpPr>
+        <p:spPr/>
+        <p:txBody>
+          <a:bodyPr/>
+          <a:lstStyle/>
+          <a:p>
+            <a:r>
+              <a:rPr lang="de-DE" dirty="0" smtClean="0"/>
+              <a:t>Fremdschlüsselbeziehungen angeben</a:t>
+            </a:r>
+            <a:endParaRPr lang="de-DE" dirty="0"/>
+          </a:p>
+        </p:txBody>
+      </p:sp>
+      <p:sp>
+        <p:nvSpPr>
+          <p:cNvPr id="3" name="Inhaltsplatzhalter 2"/>
+          <p:cNvSpPr>
+            <a:spLocks noGrp="1"/>
+          </p:cNvSpPr>
+          <p:nvPr>
+            <p:ph idx="1"/>
+          </p:nvPr>
+        </p:nvSpPr>
+        <p:spPr>
+          <a:xfrm>
+            <a:off x="636515" y="1341438"/>
+            <a:ext cx="10968110" cy="4735197"/>
+          </a:xfrm>
+        </p:spPr>
+        <p:txBody>
+          <a:bodyPr/>
+          <a:lstStyle/>
+          <a:p>
+            <a:r>
+              <a:rPr lang="de-DE" dirty="0" smtClean="0"/>
+              <a:t>Fremdschlüsselbeziehung für eine Navigationseigenschaft angeben</a:t>
+            </a:r>
+          </a:p>
+          <a:p>
+            <a:endParaRPr lang="de-DE" dirty="0" smtClean="0"/>
+          </a:p>
+          <a:p>
+            <a:endParaRPr lang="de-DE" dirty="0"/>
+          </a:p>
+          <a:p>
+            <a:endParaRPr lang="de-DE" dirty="0"/>
+          </a:p>
+          <a:p>
+            <a:endParaRPr lang="de-DE" dirty="0" smtClean="0"/>
+          </a:p>
+          <a:p>
+            <a:endParaRPr lang="de-DE" dirty="0"/>
+          </a:p>
+          <a:p>
+            <a:endParaRPr lang="de-DE" dirty="0" smtClean="0"/>
+          </a:p>
+          <a:p>
+            <a:r>
+              <a:rPr lang="de-DE" dirty="0" smtClean="0"/>
+              <a:t>Auf der anderen Seite eine </a:t>
+            </a:r>
+            <a:r>
+              <a:rPr lang="de-DE" dirty="0" smtClean="0"/>
+              <a:t>InverseProperty</a:t>
+            </a:r>
+            <a:endParaRPr lang="de-DE" dirty="0" smtClean="0"/>
+          </a:p>
+          <a:p>
+            <a:endParaRPr lang="de-DE" dirty="0"/>
+          </a:p>
+        </p:txBody>
+      </p:sp>
+      <p:sp>
+        <p:nvSpPr>
+          <p:cNvPr id="4" name="Foliennummernplatzhalter 3"/>
+          <p:cNvSpPr>
+            <a:spLocks noGrp="1"/>
+          </p:cNvSpPr>
+          <p:nvPr>
+            <p:ph type="sldNum" sz="quarter" idx="12"/>
+          </p:nvPr>
+        </p:nvSpPr>
+        <p:spPr/>
+        <p:txBody>
+          <a:bodyPr/>
+          <a:lstStyle/>
+          <a:p>
+            <a:fld id="{8F35CB8A-22DD-4279-9E9E-A49CDB5FBE56}" type="slidenum">
+              <a:rPr lang="en-US" smtClean="0"/>
+              <a:pPr/>
+              <a:t>33</a:t>
+            </a:fld>
+            <a:endParaRPr lang="en-US" dirty="0"/>
+          </a:p>
+        </p:txBody>
+      </p:sp>
+      <p:pic>
+        <p:nvPicPr>
+          <p:cNvPr id="5" name="Grafik 4"/>
+          <p:cNvPicPr>
+            <a:picLocks noChangeAspect="1"/>
+          </p:cNvPicPr>
+          <p:nvPr/>
+        </p:nvPicPr>
+        <p:blipFill>
+          <a:blip r:embed="rId2"/>
+          <a:stretch>
+            <a:fillRect/>
+          </a:stretch>
+        </p:blipFill>
+        <p:spPr>
+          <a:xfrm>
+            <a:off x="595313" y="1721156"/>
+            <a:ext cx="7286625" cy="1752600"/>
+          </a:xfrm>
+          <a:prstGeom prst="rect">
+            <a:avLst/>
+          </a:prstGeom>
+        </p:spPr>
+      </p:pic>
+      <p:pic>
+        <p:nvPicPr>
+          <p:cNvPr id="6" name="Grafik 5"/>
+          <p:cNvPicPr>
+            <a:picLocks noChangeAspect="1"/>
+          </p:cNvPicPr>
+          <p:nvPr/>
+        </p:nvPicPr>
+        <p:blipFill>
+          <a:blip r:embed="rId3"/>
+          <a:stretch>
+            <a:fillRect/>
+          </a:stretch>
+        </p:blipFill>
+        <p:spPr>
+          <a:xfrm>
+            <a:off x="636515" y="4275678"/>
+            <a:ext cx="7734300" cy="1543050"/>
+          </a:xfrm>
+          <a:prstGeom prst="rect">
+            <a:avLst/>
+          </a:prstGeom>
+        </p:spPr>
+      </p:pic>
+    </p:spTree>
+    <p:extLst>
+      <p:ext uri="{BB962C8B-B14F-4D97-AF65-F5344CB8AC3E}">
+        <p14:creationId xmlns:p14="http://schemas.microsoft.com/office/powerpoint/2010/main" val="1602154903"/>
+      </p:ext>
+    </p:extLst>
+  </p:cSld>
+  <p:clrMapOvr>
+    <a:masterClrMapping/>
+  </p:clrMapOvr>
+</p:sld>
+</file>
+
+<file path=ppt/slides/slide34.xml><?xml version="1.0" encoding="utf-8"?>
+<p:sld xmlns:a="http://schemas.openxmlformats.org/drawingml/2006/main" xmlns:r="http://schemas.openxmlformats.org/officeDocument/2006/relationships" xmlns:p="http://schemas.openxmlformats.org/presentationml/2006/main">
+  <p:cSld>
+    <p:spTree>
+      <p:nvGrpSpPr>
+        <p:cNvPr id="1" name=""/>
+        <p:cNvGrpSpPr/>
+        <p:nvPr/>
+      </p:nvGrpSpPr>
+      <p:grpSpPr>
+        <a:xfrm>
+          <a:off x="0" y="0"/>
+          <a:ext cx="0" cy="0"/>
+          <a:chOff x="0" y="0"/>
+          <a:chExt cx="0" cy="0"/>
+        </a:xfrm>
+      </p:grpSpPr>
+      <p:sp>
+        <p:nvSpPr>
+          <p:cNvPr id="2" name="Titel 1"/>
+          <p:cNvSpPr>
+            <a:spLocks noGrp="1"/>
+          </p:cNvSpPr>
+          <p:nvPr>
+            <p:ph type="title"/>
+          </p:nvPr>
+        </p:nvSpPr>
+        <p:spPr/>
+        <p:txBody>
+          <a:bodyPr/>
+          <a:lstStyle/>
+          <a:p>
+            <a:r>
+              <a:rPr lang="de-DE" dirty="0" smtClean="0"/>
+              <a:t>Data AnnotATions vs. Fluent-API</a:t>
+            </a:r>
+            <a:endParaRPr lang="de-DE" dirty="0"/>
+          </a:p>
+        </p:txBody>
+      </p:sp>
+      <p:pic>
+        <p:nvPicPr>
+          <p:cNvPr id="5" name="Inhaltsplatzhalter 4"/>
+          <p:cNvPicPr>
+            <a:picLocks noGrp="1" noChangeAspect="1"/>
+          </p:cNvPicPr>
+          <p:nvPr>
+            <p:ph idx="1"/>
+          </p:nvPr>
+        </p:nvPicPr>
+        <p:blipFill>
+          <a:blip r:embed="rId2"/>
+          <a:stretch>
+            <a:fillRect/>
+          </a:stretch>
+        </p:blipFill>
+        <p:spPr>
+          <a:xfrm>
+            <a:off x="781111" y="1341438"/>
+            <a:ext cx="5011615" cy="4826000"/>
+          </a:xfrm>
+          <a:prstGeom prst="rect">
+            <a:avLst/>
+          </a:prstGeom>
+        </p:spPr>
+      </p:pic>
+      <p:sp>
+        <p:nvSpPr>
+          <p:cNvPr id="4" name="Foliennummernplatzhalter 3"/>
+          <p:cNvSpPr>
+            <a:spLocks noGrp="1"/>
+          </p:cNvSpPr>
+          <p:nvPr>
+            <p:ph type="sldNum" sz="quarter" idx="12"/>
+          </p:nvPr>
+        </p:nvSpPr>
+        <p:spPr/>
+        <p:txBody>
+          <a:bodyPr/>
+          <a:lstStyle/>
+          <a:p>
+            <a:fld id="{8F35CB8A-22DD-4279-9E9E-A49CDB5FBE56}" type="slidenum">
+              <a:rPr lang="en-US" smtClean="0"/>
+              <a:pPr/>
+              <a:t>34</a:t>
+            </a:fld>
+            <a:endParaRPr lang="en-US" dirty="0"/>
+          </a:p>
+        </p:txBody>
+      </p:sp>
+      <p:sp>
+        <p:nvSpPr>
+          <p:cNvPr id="6" name="Inhaltsplatzhalter 5"/>
+          <p:cNvSpPr>
+            <a:spLocks noGrp="1"/>
+          </p:cNvSpPr>
+          <p:nvPr>
+            <p:ph idx="13"/>
+          </p:nvPr>
+        </p:nvSpPr>
+        <p:spPr/>
+        <p:txBody>
+          <a:bodyPr/>
+          <a:lstStyle/>
+          <a:p>
+            <a:r>
+              <a:rPr lang="de-DE" dirty="0" smtClean="0"/>
+              <a:t>Fluent-API mächtiger</a:t>
+            </a:r>
+          </a:p>
+          <a:p>
+            <a:r>
+              <a:rPr lang="de-DE" dirty="0" smtClean="0"/>
+              <a:t>Beispiele</a:t>
+            </a:r>
+          </a:p>
+          <a:p>
+            <a:pPr lvl="1"/>
+            <a:r>
+              <a:rPr lang="de-DE" dirty="0" smtClean="0"/>
+              <a:t>Löschweitergabe ausschalten</a:t>
+            </a:r>
+          </a:p>
+          <a:p>
+            <a:pPr lvl="2"/>
+            <a:r>
+              <a:rPr lang="de-DE" dirty="0" smtClean="0"/>
+              <a:t>WillCascadeOnDelete</a:t>
+            </a:r>
+            <a:r>
+              <a:rPr lang="de-DE" dirty="0" smtClean="0"/>
+              <a:t>(</a:t>
+            </a:r>
+            <a:r>
+              <a:rPr lang="de-DE" dirty="0" smtClean="0"/>
+              <a:t>false</a:t>
+            </a:r>
+            <a:r>
+              <a:rPr lang="de-DE" dirty="0" smtClean="0"/>
+              <a:t>)</a:t>
+            </a:r>
+          </a:p>
+          <a:p>
+            <a:pPr lvl="1"/>
+            <a:r>
+              <a:rPr lang="de-DE" dirty="0" smtClean="0"/>
+              <a:t>Feingranulares Mapping auf Navigationseigenschaften</a:t>
+            </a:r>
+          </a:p>
+          <a:p>
+            <a:pPr lvl="2"/>
+            <a:r>
+              <a:rPr lang="de-DE" dirty="0" smtClean="0"/>
+              <a:t>WithMany</a:t>
+            </a:r>
+            <a:r>
+              <a:rPr lang="de-DE" dirty="0" smtClean="0"/>
+              <a:t>(..)</a:t>
+            </a:r>
+          </a:p>
+          <a:p>
+            <a:pPr lvl="2"/>
+            <a:r>
+              <a:rPr lang="de-DE" dirty="0" smtClean="0"/>
+              <a:t>WithOptional</a:t>
+            </a:r>
+            <a:r>
+              <a:rPr lang="de-DE" dirty="0" smtClean="0"/>
+              <a:t>(..)</a:t>
+            </a:r>
+          </a:p>
+          <a:p>
+            <a:pPr lvl="2"/>
+            <a:r>
+              <a:rPr lang="de-DE" dirty="0" smtClean="0"/>
+              <a:t>WithRequired</a:t>
+            </a:r>
+            <a:r>
+              <a:rPr lang="de-DE" dirty="0" smtClean="0"/>
+              <a:t>(..)</a:t>
+            </a:r>
+          </a:p>
+          <a:p>
+            <a:pPr lvl="1"/>
+            <a:r>
+              <a:rPr lang="de-DE" dirty="0" smtClean="0"/>
+              <a:t>Primärschlüssel verstecken</a:t>
+            </a:r>
+          </a:p>
+          <a:p>
+            <a:pPr lvl="2"/>
+            <a:r>
+              <a:rPr lang="de-DE" dirty="0" smtClean="0"/>
+              <a:t>Map</a:t>
+            </a:r>
+            <a:r>
+              <a:rPr lang="de-DE" dirty="0" smtClean="0"/>
+              <a:t>(b =&gt; </a:t>
+            </a:r>
+            <a:r>
+              <a:rPr lang="de-DE" dirty="0" smtClean="0"/>
+              <a:t>b.MapKey</a:t>
+            </a:r>
+            <a:r>
+              <a:rPr lang="de-DE" dirty="0" smtClean="0"/>
+              <a:t>(„</a:t>
+            </a:r>
+            <a:r>
+              <a:rPr lang="de-DE" dirty="0" smtClean="0"/>
+              <a:t>HiddenKey</a:t>
+            </a:r>
+            <a:r>
+              <a:rPr lang="de-DE" dirty="0" smtClean="0"/>
+              <a:t>“))</a:t>
+            </a:r>
+            <a:endParaRPr lang="de-DE" dirty="0"/>
+          </a:p>
+        </p:txBody>
+      </p:sp>
+    </p:spTree>
+    <p:extLst>
+      <p:ext uri="{BB962C8B-B14F-4D97-AF65-F5344CB8AC3E}">
+        <p14:creationId xmlns:p14="http://schemas.microsoft.com/office/powerpoint/2010/main" val="182197955"/>
+      </p:ext>
+    </p:extLst>
+  </p:cSld>
+  <p:clrMapOvr>
+    <a:masterClrMapping/>
+  </p:clrMapOvr>
+</p:sld>
+</file>
+
+<file path=ppt/slides/slide35.xml><?xml version="1.0" encoding="utf-8"?>
+<p:sld xmlns:a="http://schemas.openxmlformats.org/drawingml/2006/main" xmlns:r="http://schemas.openxmlformats.org/officeDocument/2006/relationships" xmlns:p="http://schemas.openxmlformats.org/presentationml/2006/main">
+  <p:cSld>
+    <p:spTree>
+      <p:nvGrpSpPr>
+        <p:cNvPr id="1" name=""/>
+        <p:cNvGrpSpPr/>
+        <p:nvPr/>
+      </p:nvGrpSpPr>
+      <p:grpSpPr>
+        <a:xfrm>
+          <a:off x="0" y="0"/>
+          <a:ext cx="0" cy="0"/>
+          <a:chOff x="0" y="0"/>
+          <a:chExt cx="0" cy="0"/>
+        </a:xfrm>
+      </p:grpSpPr>
+      <p:sp>
+        <p:nvSpPr>
+          <p:cNvPr id="6" name="Titel 5"/>
+          <p:cNvSpPr>
+            <a:spLocks noGrp="1"/>
+          </p:cNvSpPr>
+          <p:nvPr>
+            <p:ph type="title"/>
+          </p:nvPr>
+        </p:nvSpPr>
+        <p:spPr/>
+        <p:txBody>
+          <a:bodyPr/>
+          <a:lstStyle/>
+          <a:p>
+            <a:r>
+              <a:rPr lang="de-DE" dirty="0" smtClean="0"/>
+              <a:t>HANDS-ON</a:t>
+            </a:r>
+            <a:endParaRPr lang="de-DE" dirty="0"/>
+          </a:p>
+        </p:txBody>
+      </p:sp>
+      <p:sp>
+        <p:nvSpPr>
+          <p:cNvPr id="7" name="Untertitel 6"/>
+          <p:cNvSpPr>
+            <a:spLocks noGrp="1"/>
+          </p:cNvSpPr>
+          <p:nvPr>
+            <p:ph type="subTitle" idx="1"/>
+          </p:nvPr>
+        </p:nvSpPr>
+        <p:spPr/>
+        <p:txBody>
+          <a:bodyPr/>
+          <a:lstStyle/>
+          <a:p>
+            <a:r>
+              <a:rPr lang="de-DE" dirty="0"/>
+              <a:t>03. Datenmodellierung und -abfrage mit dem Entity Framework</a:t>
+            </a:r>
+          </a:p>
+        </p:txBody>
+      </p:sp>
+      <p:sp>
+        <p:nvSpPr>
+          <p:cNvPr id="4" name="Foliennummernplatzhalter 3"/>
+          <p:cNvSpPr>
+            <a:spLocks noGrp="1"/>
+          </p:cNvSpPr>
+          <p:nvPr>
+            <p:ph type="sldNum" sz="quarter" idx="10"/>
+          </p:nvPr>
+        </p:nvSpPr>
+        <p:spPr/>
+        <p:txBody>
+          <a:bodyPr/>
+          <a:lstStyle/>
+          <a:p>
+            <a:fld id="{8F35CB8A-22DD-4279-9E9E-A49CDB5FBE56}" type="slidenum">
+              <a:rPr lang="en-US" smtClean="0"/>
+              <a:pPr/>
+              <a:t>35</a:t>
+            </a:fld>
+            <a:endParaRPr lang="en-US" dirty="0"/>
+          </a:p>
+        </p:txBody>
+      </p:sp>
+    </p:spTree>
+    <p:extLst>
+      <p:ext uri="{BB962C8B-B14F-4D97-AF65-F5344CB8AC3E}">
+        <p14:creationId xmlns:p14="http://schemas.microsoft.com/office/powerpoint/2010/main" val="1662466920"/>
+      </p:ext>
+    </p:extLst>
+  </p:cSld>
+  <p:clrMapOvr>
+    <a:masterClrMapping/>
+  </p:clrMapOvr>
+</p:sld>
+</file>
+
+<file path=ppt/slides/slide36.xml><?xml version="1.0" encoding="utf-8"?>
+<p:sld xmlns:a="http://schemas.openxmlformats.org/drawingml/2006/main" xmlns:r="http://schemas.openxmlformats.org/officeDocument/2006/relationships" xmlns:p="http://schemas.openxmlformats.org/presentationml/2006/main">
+  <p:cSld>
+    <p:spTree>
+      <p:nvGrpSpPr>
+        <p:cNvPr id="1" name=""/>
+        <p:cNvGrpSpPr/>
+        <p:nvPr/>
+      </p:nvGrpSpPr>
+      <p:grpSpPr>
+        <a:xfrm>
+          <a:off x="0" y="0"/>
+          <a:ext cx="0" cy="0"/>
+          <a:chOff x="0" y="0"/>
+          <a:chExt cx="0" cy="0"/>
+        </a:xfrm>
+      </p:grpSpPr>
+      <p:sp>
+        <p:nvSpPr>
+          <p:cNvPr id="12" name="Foliennummernplatzhalter 11"/>
+          <p:cNvSpPr>
+            <a:spLocks noGrp="1"/>
+          </p:cNvSpPr>
+          <p:nvPr>
+            <p:ph type="sldNum" sz="quarter" idx="10"/>
+          </p:nvPr>
+        </p:nvSpPr>
+        <p:spPr/>
+        <p:txBody>
+          <a:bodyPr/>
+          <a:lstStyle/>
+          <a:p>
+            <a:pPr>
+              <a:defRPr/>
+            </a:pPr>
+            <a:fld id="{447D8812-7F1A-4985-9D5E-D7E4ED464A4E}" type="slidenum">
+              <a:rPr lang="sv-SE" smtClean="0"/>
+              <a:pPr>
+                <a:defRPr/>
+              </a:pPr>
+              <a:t>36</a:t>
+            </a:fld>
+            <a:endParaRPr lang="sv-SE" dirty="0"/>
+          </a:p>
+        </p:txBody>
+      </p:sp>
+    </p:spTree>
   </p:cSld>
   <p:clrMapOvr>
     <a:masterClrMapping/>
@@ -5047,6 +9133,145 @@
               <a:buFont typeface="+mj-lt"/>
               <a:buAutoNum type="arabicPeriod"/>
             </a:pPr>
+            <a:r>
+              <a:rPr lang="de-DE" dirty="0" smtClean="0"/>
+              <a:t>Was ist Entity Framework</a:t>
+            </a:r>
+          </a:p>
+          <a:p>
+            <a:pPr marL="342900" indent="-342900">
+              <a:lnSpc>
+                <a:spcPct val="150000"/>
+              </a:lnSpc>
+              <a:buFont typeface="+mj-lt"/>
+              <a:buAutoNum type="arabicPeriod"/>
+            </a:pPr>
+            <a:r>
+              <a:rPr lang="de-DE" dirty="0" smtClean="0"/>
+              <a:t>Übersicht über verschiedene Approaches</a:t>
+            </a:r>
+          </a:p>
+          <a:p>
+            <a:pPr marL="342900" indent="-342900">
+              <a:lnSpc>
+                <a:spcPct val="150000"/>
+              </a:lnSpc>
+              <a:buFont typeface="+mj-lt"/>
+              <a:buAutoNum type="arabicPeriod"/>
+            </a:pPr>
+            <a:r>
+              <a:rPr lang="de-DE" dirty="0" smtClean="0"/>
+              <a:t>Installation des Entity Frameworks</a:t>
+            </a:r>
+          </a:p>
+          <a:p>
+            <a:pPr marL="342900" indent="-342900">
+              <a:lnSpc>
+                <a:spcPct val="150000"/>
+              </a:lnSpc>
+              <a:buFont typeface="+mj-lt"/>
+              <a:buAutoNum type="arabicPeriod"/>
+            </a:pPr>
+            <a:r>
+              <a:rPr lang="de-DE" dirty="0" smtClean="0"/>
+              <a:t>Approaches</a:t>
+            </a:r>
+          </a:p>
+          <a:p>
+            <a:pPr marL="855624" lvl="1" indent="-342900">
+              <a:lnSpc>
+                <a:spcPct val="150000"/>
+              </a:lnSpc>
+              <a:buFont typeface="+mj-lt"/>
+              <a:buAutoNum type="arabicPeriod"/>
+            </a:pPr>
+            <a:r>
+              <a:rPr lang="de-DE" dirty="0" smtClean="0"/>
+              <a:t>Code First</a:t>
+            </a:r>
+          </a:p>
+          <a:p>
+            <a:pPr marL="855624" lvl="1" indent="-342900">
+              <a:lnSpc>
+                <a:spcPct val="150000"/>
+              </a:lnSpc>
+              <a:buFont typeface="+mj-lt"/>
+              <a:buAutoNum type="arabicPeriod"/>
+            </a:pPr>
+            <a:r>
+              <a:rPr lang="de-DE" dirty="0" smtClean="0"/>
+              <a:t>Database First</a:t>
+            </a:r>
+          </a:p>
+          <a:p>
+            <a:pPr marL="855624" lvl="1" indent="-342900">
+              <a:lnSpc>
+                <a:spcPct val="150000"/>
+              </a:lnSpc>
+              <a:buFont typeface="+mj-lt"/>
+              <a:buAutoNum type="arabicPeriod"/>
+            </a:pPr>
+            <a:r>
+              <a:rPr lang="de-DE" dirty="0"/>
+              <a:t>Model </a:t>
+            </a:r>
+            <a:r>
+              <a:rPr lang="de-DE" dirty="0" smtClean="0"/>
+              <a:t>First</a:t>
+            </a:r>
+            <a:endParaRPr lang="de-DE" dirty="0"/>
+          </a:p>
+          <a:p>
+            <a:pPr marL="342900" indent="-342900">
+              <a:lnSpc>
+                <a:spcPct val="150000"/>
+              </a:lnSpc>
+              <a:buFont typeface="+mj-lt"/>
+              <a:buAutoNum type="arabicPeriod"/>
+            </a:pPr>
+            <a:r>
+              <a:rPr lang="de-DE" dirty="0" smtClean="0"/>
+              <a:t>Migrations</a:t>
+            </a:r>
+          </a:p>
+          <a:p>
+            <a:pPr marL="342900" indent="-342900">
+              <a:lnSpc>
+                <a:spcPct val="150000"/>
+              </a:lnSpc>
+              <a:buFont typeface="+mj-lt"/>
+              <a:buAutoNum type="arabicPeriod"/>
+            </a:pPr>
+            <a:r>
+              <a:rPr lang="de-DE" dirty="0" smtClean="0"/>
+              <a:t>Fluent API</a:t>
+            </a:r>
+          </a:p>
+          <a:p>
+            <a:pPr marL="342900" indent="-342900">
+              <a:lnSpc>
+                <a:spcPct val="150000"/>
+              </a:lnSpc>
+              <a:buFont typeface="+mj-lt"/>
+              <a:buAutoNum type="arabicPeriod"/>
+            </a:pPr>
+            <a:r>
+              <a:rPr lang="de-DE" dirty="0" smtClean="0"/>
+              <a:t>Data Annotations</a:t>
+            </a:r>
+          </a:p>
+          <a:p>
+            <a:pPr marL="342900" indent="-342900">
+              <a:lnSpc>
+                <a:spcPct val="150000"/>
+              </a:lnSpc>
+              <a:buFont typeface="+mj-lt"/>
+              <a:buAutoNum type="arabicPeriod"/>
+            </a:pPr>
+            <a:r>
+              <a:rPr lang="de-DE" dirty="0" smtClean="0"/>
+              <a:t>Hands-On</a:t>
+            </a:r>
             <a:endParaRPr lang="de-DE" dirty="0" smtClean="0"/>
           </a:p>
         </p:txBody>
@@ -5090,34 +9315,838 @@
       </p:grpSpPr>
       <p:sp>
         <p:nvSpPr>
-          <p:cNvPr id="12" name="Foliennummernplatzhalter 11"/>
-          <p:cNvSpPr>
-            <a:spLocks noGrp="1"/>
-          </p:cNvSpPr>
-          <p:nvPr>
-            <p:ph type="sldNum" sz="quarter" idx="10"/>
-          </p:nvPr>
-        </p:nvSpPr>
-        <p:spPr/>
-        <p:txBody>
-          <a:bodyPr/>
-          <a:lstStyle/>
-          <a:p>
-            <a:pPr>
-              <a:defRPr/>
-            </a:pPr>
-            <a:fld id="{447D8812-7F1A-4985-9D5E-D7E4ED464A4E}" type="slidenum">
-              <a:rPr lang="sv-SE" smtClean="0"/>
-              <a:pPr>
-                <a:defRPr/>
-              </a:pPr>
+          <p:cNvPr id="2" name="Titel 1"/>
+          <p:cNvSpPr>
+            <a:spLocks noGrp="1"/>
+          </p:cNvSpPr>
+          <p:nvPr>
+            <p:ph type="title"/>
+          </p:nvPr>
+        </p:nvSpPr>
+        <p:spPr/>
+        <p:txBody>
+          <a:bodyPr/>
+          <a:lstStyle/>
+          <a:p>
+            <a:r>
+              <a:rPr lang="de-DE" dirty="0" smtClean="0"/>
+              <a:t>Was ist das Entity Framework</a:t>
+            </a:r>
+            <a:endParaRPr lang="de-DE" dirty="0"/>
+          </a:p>
+        </p:txBody>
+      </p:sp>
+      <p:sp>
+        <p:nvSpPr>
+          <p:cNvPr id="3" name="Inhaltsplatzhalter 2"/>
+          <p:cNvSpPr>
+            <a:spLocks noGrp="1"/>
+          </p:cNvSpPr>
+          <p:nvPr>
+            <p:ph idx="1"/>
+          </p:nvPr>
+        </p:nvSpPr>
+        <p:spPr/>
+        <p:txBody>
+          <a:bodyPr/>
+          <a:lstStyle/>
+          <a:p>
+            <a:r>
+              <a:rPr lang="de-DE" dirty="0" smtClean="0"/>
+              <a:t>Open Source (seit Version 6.0)</a:t>
+            </a:r>
+          </a:p>
+          <a:p>
+            <a:r>
+              <a:rPr lang="de-DE" dirty="0" smtClean="0"/>
+              <a:t>ORM-Framework</a:t>
+            </a:r>
+          </a:p>
+          <a:p>
+            <a:pPr lvl="1"/>
+            <a:r>
+              <a:rPr lang="de-DE" dirty="0" smtClean="0"/>
+              <a:t>Bildet Objekte auf eine relationale Datenbank ab</a:t>
+            </a:r>
+          </a:p>
+          <a:p>
+            <a:r>
+              <a:rPr lang="de-DE" dirty="0" smtClean="0"/>
+              <a:t>Data Access Layer</a:t>
+            </a:r>
+          </a:p>
+          <a:p>
+            <a:r>
+              <a:rPr lang="de-DE" dirty="0" smtClean="0"/>
+              <a:t>Unabhängig von verwendeter Datenbank</a:t>
+            </a:r>
+          </a:p>
+          <a:p>
+            <a:pPr lvl="1"/>
+            <a:r>
+              <a:rPr lang="de-DE" dirty="0" smtClean="0"/>
+              <a:t>Microsoft SQL Server</a:t>
+            </a:r>
+          </a:p>
+          <a:p>
+            <a:pPr lvl="1"/>
+            <a:r>
+              <a:rPr lang="de-DE" dirty="0" smtClean="0"/>
+              <a:t>MySQL</a:t>
+            </a:r>
+          </a:p>
+          <a:p>
+            <a:pPr lvl="1"/>
+            <a:r>
+              <a:rPr lang="de-DE" dirty="0" smtClean="0"/>
+              <a:t>SQLite</a:t>
+            </a:r>
+            <a:endParaRPr lang="de-DE" dirty="0"/>
+          </a:p>
+        </p:txBody>
+      </p:sp>
+      <p:sp>
+        <p:nvSpPr>
+          <p:cNvPr id="4" name="Foliennummernplatzhalter 3"/>
+          <p:cNvSpPr>
+            <a:spLocks noGrp="1"/>
+          </p:cNvSpPr>
+          <p:nvPr>
+            <p:ph type="sldNum" sz="quarter" idx="12"/>
+          </p:nvPr>
+        </p:nvSpPr>
+        <p:spPr/>
+        <p:txBody>
+          <a:bodyPr/>
+          <a:lstStyle/>
+          <a:p>
+            <a:fld id="{8F35CB8A-22DD-4279-9E9E-A49CDB5FBE56}" type="slidenum">
+              <a:rPr lang="en-US" smtClean="0"/>
+              <a:pPr/>
               <a:t>5</a:t>
             </a:fld>
-            <a:endParaRPr lang="sv-SE" dirty="0"/>
+            <a:endParaRPr lang="en-US" dirty="0"/>
           </a:p>
         </p:txBody>
       </p:sp>
     </p:spTree>
+    <p:extLst>
+      <p:ext uri="{BB962C8B-B14F-4D97-AF65-F5344CB8AC3E}">
+        <p14:creationId xmlns:p14="http://schemas.microsoft.com/office/powerpoint/2010/main" val="3344577404"/>
+      </p:ext>
+    </p:extLst>
+  </p:cSld>
+  <p:clrMapOvr>
+    <a:masterClrMapping/>
+  </p:clrMapOvr>
+  <p:timing>
+    <p:tnLst>
+      <p:par>
+        <p:cTn id="1" dur="indefinite" restart="never" nodeType="tmRoot"/>
+      </p:par>
+    </p:tnLst>
+  </p:timing>
+</p:sld>
+</file>
+
+<file path=ppt/slides/slide6.xml><?xml version="1.0" encoding="utf-8"?>
+<p:sld xmlns:a="http://schemas.openxmlformats.org/drawingml/2006/main" xmlns:r="http://schemas.openxmlformats.org/officeDocument/2006/relationships" xmlns:p="http://schemas.openxmlformats.org/presentationml/2006/main">
+  <p:cSld>
+    <p:spTree>
+      <p:nvGrpSpPr>
+        <p:cNvPr id="1" name=""/>
+        <p:cNvGrpSpPr/>
+        <p:nvPr/>
+      </p:nvGrpSpPr>
+      <p:grpSpPr>
+        <a:xfrm>
+          <a:off x="0" y="0"/>
+          <a:ext cx="0" cy="0"/>
+          <a:chOff x="0" y="0"/>
+          <a:chExt cx="0" cy="0"/>
+        </a:xfrm>
+      </p:grpSpPr>
+      <p:sp>
+        <p:nvSpPr>
+          <p:cNvPr id="2" name="Titel 1"/>
+          <p:cNvSpPr>
+            <a:spLocks noGrp="1"/>
+          </p:cNvSpPr>
+          <p:nvPr>
+            <p:ph type="title"/>
+          </p:nvPr>
+        </p:nvSpPr>
+        <p:spPr/>
+        <p:txBody>
+          <a:bodyPr/>
+          <a:lstStyle/>
+          <a:p>
+            <a:r>
+              <a:rPr lang="de-DE" dirty="0" smtClean="0"/>
+              <a:t>Ohne Entity Framework	 I</a:t>
+            </a:r>
+            <a:endParaRPr lang="de-DE" dirty="0"/>
+          </a:p>
+        </p:txBody>
+      </p:sp>
+      <p:sp>
+        <p:nvSpPr>
+          <p:cNvPr id="3" name="Inhaltsplatzhalter 2"/>
+          <p:cNvSpPr>
+            <a:spLocks noGrp="1"/>
+          </p:cNvSpPr>
+          <p:nvPr>
+            <p:ph idx="1"/>
+          </p:nvPr>
+        </p:nvSpPr>
+        <p:spPr>
+          <a:xfrm>
+            <a:off x="587298" y="1341753"/>
+            <a:ext cx="10968110" cy="4735197"/>
+          </a:xfrm>
+        </p:spPr>
+        <p:txBody>
+          <a:bodyPr/>
+          <a:lstStyle/>
+          <a:p>
+            <a:r>
+              <a:rPr lang="de-DE" dirty="0" smtClean="0"/>
+              <a:t>Beispiel: Datensatz in Tabelle einfügen (MSSQL)</a:t>
+            </a:r>
+          </a:p>
+          <a:p>
+            <a:endParaRPr lang="de-DE" dirty="0"/>
+          </a:p>
+          <a:p>
+            <a:endParaRPr lang="de-DE" dirty="0" smtClean="0"/>
+          </a:p>
+          <a:p>
+            <a:endParaRPr lang="de-DE" dirty="0"/>
+          </a:p>
+          <a:p>
+            <a:endParaRPr lang="de-DE" dirty="0" smtClean="0"/>
+          </a:p>
+          <a:p>
+            <a:endParaRPr lang="de-DE" dirty="0"/>
+          </a:p>
+          <a:p>
+            <a:endParaRPr lang="de-DE" dirty="0" smtClean="0"/>
+          </a:p>
+          <a:p>
+            <a:endParaRPr lang="de-DE" dirty="0"/>
+          </a:p>
+          <a:p>
+            <a:endParaRPr lang="de-DE" dirty="0" smtClean="0"/>
+          </a:p>
+          <a:p>
+            <a:endParaRPr lang="de-DE" dirty="0"/>
+          </a:p>
+          <a:p>
+            <a:pPr marL="0" indent="0">
+              <a:buNone/>
+            </a:pPr>
+            <a:endParaRPr lang="de-DE" dirty="0" smtClean="0"/>
+          </a:p>
+          <a:p>
+            <a:r>
+              <a:rPr lang="de-DE" dirty="0" smtClean="0"/>
+              <a:t>Kompliziert, fehleranfällig, unsicher</a:t>
+            </a:r>
+          </a:p>
+          <a:p>
+            <a:endParaRPr lang="de-DE" dirty="0"/>
+          </a:p>
+          <a:p>
+            <a:endParaRPr lang="de-DE" dirty="0"/>
+          </a:p>
+        </p:txBody>
+      </p:sp>
+      <p:sp>
+        <p:nvSpPr>
+          <p:cNvPr id="4" name="Foliennummernplatzhalter 3"/>
+          <p:cNvSpPr>
+            <a:spLocks noGrp="1"/>
+          </p:cNvSpPr>
+          <p:nvPr>
+            <p:ph type="sldNum" sz="quarter" idx="12"/>
+          </p:nvPr>
+        </p:nvSpPr>
+        <p:spPr/>
+        <p:txBody>
+          <a:bodyPr/>
+          <a:lstStyle/>
+          <a:p>
+            <a:fld id="{8F35CB8A-22DD-4279-9E9E-A49CDB5FBE56}" type="slidenum">
+              <a:rPr lang="en-US" smtClean="0"/>
+              <a:pPr/>
+              <a:t>6</a:t>
+            </a:fld>
+            <a:endParaRPr lang="en-US" dirty="0"/>
+          </a:p>
+        </p:txBody>
+      </p:sp>
+      <p:pic>
+        <p:nvPicPr>
+          <p:cNvPr id="5" name="Grafik 4"/>
+          <p:cNvPicPr>
+            <a:picLocks noChangeAspect="1"/>
+          </p:cNvPicPr>
+          <p:nvPr/>
+        </p:nvPicPr>
+        <p:blipFill>
+          <a:blip r:embed="rId2"/>
+          <a:stretch>
+            <a:fillRect/>
+          </a:stretch>
+        </p:blipFill>
+        <p:spPr>
+          <a:xfrm>
+            <a:off x="595312" y="1949450"/>
+            <a:ext cx="11068829" cy="2741820"/>
+          </a:xfrm>
+          <a:prstGeom prst="rect">
+            <a:avLst/>
+          </a:prstGeom>
+        </p:spPr>
+      </p:pic>
+    </p:spTree>
+    <p:extLst>
+      <p:ext uri="{BB962C8B-B14F-4D97-AF65-F5344CB8AC3E}">
+        <p14:creationId xmlns:p14="http://schemas.microsoft.com/office/powerpoint/2010/main" val="1932308903"/>
+      </p:ext>
+    </p:extLst>
+  </p:cSld>
+  <p:clrMapOvr>
+    <a:masterClrMapping/>
+  </p:clrMapOvr>
+  <p:timing>
+    <p:tnLst>
+      <p:par>
+        <p:cTn id="1" dur="indefinite" restart="never" nodeType="tmRoot"/>
+      </p:par>
+    </p:tnLst>
+  </p:timing>
+</p:sld>
+</file>
+
+<file path=ppt/slides/slide7.xml><?xml version="1.0" encoding="utf-8"?>
+<p:sld xmlns:a="http://schemas.openxmlformats.org/drawingml/2006/main" xmlns:r="http://schemas.openxmlformats.org/officeDocument/2006/relationships" xmlns:p="http://schemas.openxmlformats.org/presentationml/2006/main">
+  <p:cSld>
+    <p:spTree>
+      <p:nvGrpSpPr>
+        <p:cNvPr id="1" name=""/>
+        <p:cNvGrpSpPr/>
+        <p:nvPr/>
+      </p:nvGrpSpPr>
+      <p:grpSpPr>
+        <a:xfrm>
+          <a:off x="0" y="0"/>
+          <a:ext cx="0" cy="0"/>
+          <a:chOff x="0" y="0"/>
+          <a:chExt cx="0" cy="0"/>
+        </a:xfrm>
+      </p:grpSpPr>
+      <p:sp>
+        <p:nvSpPr>
+          <p:cNvPr id="2" name="Titel 1"/>
+          <p:cNvSpPr>
+            <a:spLocks noGrp="1"/>
+          </p:cNvSpPr>
+          <p:nvPr>
+            <p:ph type="title"/>
+          </p:nvPr>
+        </p:nvSpPr>
+        <p:spPr/>
+        <p:txBody>
+          <a:bodyPr/>
+          <a:lstStyle/>
+          <a:p>
+            <a:r>
+              <a:rPr lang="de-DE" dirty="0" smtClean="0"/>
+              <a:t>Ohne Entity Framework	 II</a:t>
+            </a:r>
+            <a:endParaRPr lang="de-DE" dirty="0"/>
+          </a:p>
+        </p:txBody>
+      </p:sp>
+      <p:sp>
+        <p:nvSpPr>
+          <p:cNvPr id="3" name="Inhaltsplatzhalter 2"/>
+          <p:cNvSpPr>
+            <a:spLocks noGrp="1"/>
+          </p:cNvSpPr>
+          <p:nvPr>
+            <p:ph idx="1"/>
+          </p:nvPr>
+        </p:nvSpPr>
+        <p:spPr>
+          <a:xfrm>
+            <a:off x="587298" y="1341753"/>
+            <a:ext cx="10968110" cy="4735197"/>
+          </a:xfrm>
+        </p:spPr>
+        <p:txBody>
+          <a:bodyPr/>
+          <a:lstStyle/>
+          <a:p>
+            <a:r>
+              <a:rPr lang="de-DE" dirty="0" smtClean="0"/>
+              <a:t>Beispiel: Datensatz in Tabelle einfügen (MSSQL)</a:t>
+            </a:r>
+          </a:p>
+          <a:p>
+            <a:endParaRPr lang="de-DE" dirty="0"/>
+          </a:p>
+          <a:p>
+            <a:endParaRPr lang="de-DE" dirty="0" smtClean="0"/>
+          </a:p>
+          <a:p>
+            <a:endParaRPr lang="de-DE" dirty="0"/>
+          </a:p>
+          <a:p>
+            <a:endParaRPr lang="de-DE" dirty="0" smtClean="0"/>
+          </a:p>
+          <a:p>
+            <a:endParaRPr lang="de-DE" dirty="0"/>
+          </a:p>
+          <a:p>
+            <a:endParaRPr lang="de-DE" dirty="0" smtClean="0"/>
+          </a:p>
+          <a:p>
+            <a:endParaRPr lang="de-DE" dirty="0"/>
+          </a:p>
+          <a:p>
+            <a:endParaRPr lang="de-DE" dirty="0" smtClean="0"/>
+          </a:p>
+          <a:p>
+            <a:pPr marL="0" indent="0">
+              <a:buNone/>
+            </a:pPr>
+            <a:endParaRPr lang="de-DE" dirty="0"/>
+          </a:p>
+          <a:p>
+            <a:r>
+              <a:rPr lang="de-DE" dirty="0" smtClean="0"/>
+              <a:t>Was ändert sich?</a:t>
+            </a:r>
+            <a:endParaRPr lang="de-DE" dirty="0"/>
+          </a:p>
+          <a:p>
+            <a:endParaRPr lang="de-DE" dirty="0"/>
+          </a:p>
+        </p:txBody>
+      </p:sp>
+      <p:sp>
+        <p:nvSpPr>
+          <p:cNvPr id="4" name="Foliennummernplatzhalter 3"/>
+          <p:cNvSpPr>
+            <a:spLocks noGrp="1"/>
+          </p:cNvSpPr>
+          <p:nvPr>
+            <p:ph type="sldNum" sz="quarter" idx="12"/>
+          </p:nvPr>
+        </p:nvSpPr>
+        <p:spPr/>
+        <p:txBody>
+          <a:bodyPr/>
+          <a:lstStyle/>
+          <a:p>
+            <a:fld id="{8F35CB8A-22DD-4279-9E9E-A49CDB5FBE56}" type="slidenum">
+              <a:rPr lang="en-US" smtClean="0"/>
+              <a:pPr/>
+              <a:t>7</a:t>
+            </a:fld>
+            <a:endParaRPr lang="en-US" dirty="0"/>
+          </a:p>
+        </p:txBody>
+      </p:sp>
+      <p:pic>
+        <p:nvPicPr>
+          <p:cNvPr id="6" name="Grafik 5"/>
+          <p:cNvPicPr>
+            <a:picLocks noChangeAspect="1"/>
+          </p:cNvPicPr>
+          <p:nvPr/>
+        </p:nvPicPr>
+        <p:blipFill>
+          <a:blip r:embed="rId2"/>
+          <a:stretch>
+            <a:fillRect/>
+          </a:stretch>
+        </p:blipFill>
+        <p:spPr>
+          <a:xfrm>
+            <a:off x="595313" y="1949451"/>
+            <a:ext cx="10960095" cy="2756300"/>
+          </a:xfrm>
+          <a:prstGeom prst="rect">
+            <a:avLst/>
+          </a:prstGeom>
+        </p:spPr>
+      </p:pic>
+    </p:spTree>
+    <p:extLst>
+      <p:ext uri="{BB962C8B-B14F-4D97-AF65-F5344CB8AC3E}">
+        <p14:creationId xmlns:p14="http://schemas.microsoft.com/office/powerpoint/2010/main" val="588154637"/>
+      </p:ext>
+    </p:extLst>
+  </p:cSld>
+  <p:clrMapOvr>
+    <a:masterClrMapping/>
+  </p:clrMapOvr>
+  <p:timing>
+    <p:tnLst>
+      <p:par>
+        <p:cTn id="1" dur="indefinite" restart="never" nodeType="tmRoot"/>
+      </p:par>
+    </p:tnLst>
+  </p:timing>
+</p:sld>
+</file>
+
+<file path=ppt/slides/slide8.xml><?xml version="1.0" encoding="utf-8"?>
+<p:sld xmlns:a="http://schemas.openxmlformats.org/drawingml/2006/main" xmlns:r="http://schemas.openxmlformats.org/officeDocument/2006/relationships" xmlns:p="http://schemas.openxmlformats.org/presentationml/2006/main">
+  <p:cSld>
+    <p:spTree>
+      <p:nvGrpSpPr>
+        <p:cNvPr id="1" name=""/>
+        <p:cNvGrpSpPr/>
+        <p:nvPr/>
+      </p:nvGrpSpPr>
+      <p:grpSpPr>
+        <a:xfrm>
+          <a:off x="0" y="0"/>
+          <a:ext cx="0" cy="0"/>
+          <a:chOff x="0" y="0"/>
+          <a:chExt cx="0" cy="0"/>
+        </a:xfrm>
+      </p:grpSpPr>
+      <p:sp>
+        <p:nvSpPr>
+          <p:cNvPr id="2" name="Titel 1"/>
+          <p:cNvSpPr>
+            <a:spLocks noGrp="1"/>
+          </p:cNvSpPr>
+          <p:nvPr>
+            <p:ph type="title"/>
+          </p:nvPr>
+        </p:nvSpPr>
+        <p:spPr/>
+        <p:txBody>
+          <a:bodyPr/>
+          <a:lstStyle/>
+          <a:p>
+            <a:r>
+              <a:rPr lang="de-DE" dirty="0" smtClean="0"/>
+              <a:t>Ohne Entity Framework	 II</a:t>
+            </a:r>
+            <a:endParaRPr lang="de-DE" dirty="0"/>
+          </a:p>
+        </p:txBody>
+      </p:sp>
+      <p:sp>
+        <p:nvSpPr>
+          <p:cNvPr id="3" name="Inhaltsplatzhalter 2"/>
+          <p:cNvSpPr>
+            <a:spLocks noGrp="1"/>
+          </p:cNvSpPr>
+          <p:nvPr>
+            <p:ph idx="1"/>
+          </p:nvPr>
+        </p:nvSpPr>
+        <p:spPr>
+          <a:xfrm>
+            <a:off x="587298" y="1341753"/>
+            <a:ext cx="10968110" cy="4735197"/>
+          </a:xfrm>
+        </p:spPr>
+        <p:txBody>
+          <a:bodyPr/>
+          <a:lstStyle/>
+          <a:p>
+            <a:r>
+              <a:rPr lang="de-DE" dirty="0" smtClean="0"/>
+              <a:t>Beispiel: Datensatz in Tabelle einfügen (MySQL)</a:t>
+            </a:r>
+          </a:p>
+          <a:p>
+            <a:endParaRPr lang="de-DE" dirty="0"/>
+          </a:p>
+          <a:p>
+            <a:endParaRPr lang="de-DE" dirty="0" smtClean="0"/>
+          </a:p>
+          <a:p>
+            <a:endParaRPr lang="de-DE" dirty="0"/>
+          </a:p>
+          <a:p>
+            <a:endParaRPr lang="de-DE" dirty="0" smtClean="0"/>
+          </a:p>
+          <a:p>
+            <a:endParaRPr lang="de-DE" dirty="0"/>
+          </a:p>
+          <a:p>
+            <a:endParaRPr lang="de-DE" dirty="0" smtClean="0"/>
+          </a:p>
+          <a:p>
+            <a:endParaRPr lang="de-DE" dirty="0"/>
+          </a:p>
+          <a:p>
+            <a:endParaRPr lang="de-DE" dirty="0" smtClean="0"/>
+          </a:p>
+          <a:p>
+            <a:pPr marL="0" indent="0">
+              <a:buNone/>
+            </a:pPr>
+            <a:endParaRPr lang="de-DE" dirty="0"/>
+          </a:p>
+          <a:p>
+            <a:r>
+              <a:rPr lang="de-DE" dirty="0" smtClean="0"/>
+              <a:t>Was ändert sich?</a:t>
+            </a:r>
+            <a:endParaRPr lang="de-DE" dirty="0"/>
+          </a:p>
+          <a:p>
+            <a:pPr lvl="1"/>
+            <a:r>
+              <a:rPr lang="de-DE" dirty="0"/>
+              <a:t>Connection String, andere Datentypen, anderes Datumsformat</a:t>
+            </a:r>
+          </a:p>
+          <a:p>
+            <a:endParaRPr lang="de-DE" dirty="0"/>
+          </a:p>
+          <a:p>
+            <a:endParaRPr lang="de-DE" dirty="0"/>
+          </a:p>
+        </p:txBody>
+      </p:sp>
+      <p:sp>
+        <p:nvSpPr>
+          <p:cNvPr id="4" name="Foliennummernplatzhalter 3"/>
+          <p:cNvSpPr>
+            <a:spLocks noGrp="1"/>
+          </p:cNvSpPr>
+          <p:nvPr>
+            <p:ph type="sldNum" sz="quarter" idx="12"/>
+          </p:nvPr>
+        </p:nvSpPr>
+        <p:spPr/>
+        <p:txBody>
+          <a:bodyPr/>
+          <a:lstStyle/>
+          <a:p>
+            <a:fld id="{8F35CB8A-22DD-4279-9E9E-A49CDB5FBE56}" type="slidenum">
+              <a:rPr lang="en-US" smtClean="0"/>
+              <a:pPr/>
+              <a:t>8</a:t>
+            </a:fld>
+            <a:endParaRPr lang="en-US" dirty="0"/>
+          </a:p>
+        </p:txBody>
+      </p:sp>
+      <p:pic>
+        <p:nvPicPr>
+          <p:cNvPr id="5" name="Grafik 4"/>
+          <p:cNvPicPr>
+            <a:picLocks noChangeAspect="1"/>
+          </p:cNvPicPr>
+          <p:nvPr/>
+        </p:nvPicPr>
+        <p:blipFill>
+          <a:blip r:embed="rId2"/>
+          <a:stretch>
+            <a:fillRect/>
+          </a:stretch>
+        </p:blipFill>
+        <p:spPr>
+          <a:xfrm>
+            <a:off x="587298" y="1949450"/>
+            <a:ext cx="10968110" cy="2752866"/>
+          </a:xfrm>
+          <a:prstGeom prst="rect">
+            <a:avLst/>
+          </a:prstGeom>
+        </p:spPr>
+      </p:pic>
+    </p:spTree>
+    <p:extLst>
+      <p:ext uri="{BB962C8B-B14F-4D97-AF65-F5344CB8AC3E}">
+        <p14:creationId xmlns:p14="http://schemas.microsoft.com/office/powerpoint/2010/main" val="4016978643"/>
+      </p:ext>
+    </p:extLst>
+  </p:cSld>
+  <p:clrMapOvr>
+    <a:masterClrMapping/>
+  </p:clrMapOvr>
+  <p:timing>
+    <p:tnLst>
+      <p:par>
+        <p:cTn id="1" dur="indefinite" restart="never" nodeType="tmRoot"/>
+      </p:par>
+    </p:tnLst>
+  </p:timing>
+</p:sld>
+</file>
+
+<file path=ppt/slides/slide9.xml><?xml version="1.0" encoding="utf-8"?>
+<p:sld xmlns:a="http://schemas.openxmlformats.org/drawingml/2006/main" xmlns:r="http://schemas.openxmlformats.org/officeDocument/2006/relationships" xmlns:p="http://schemas.openxmlformats.org/presentationml/2006/main">
+  <p:cSld>
+    <p:spTree>
+      <p:nvGrpSpPr>
+        <p:cNvPr id="1" name=""/>
+        <p:cNvGrpSpPr/>
+        <p:nvPr/>
+      </p:nvGrpSpPr>
+      <p:grpSpPr>
+        <a:xfrm>
+          <a:off x="0" y="0"/>
+          <a:ext cx="0" cy="0"/>
+          <a:chOff x="0" y="0"/>
+          <a:chExt cx="0" cy="0"/>
+        </a:xfrm>
+      </p:grpSpPr>
+      <p:sp>
+        <p:nvSpPr>
+          <p:cNvPr id="2" name="Titel 1"/>
+          <p:cNvSpPr>
+            <a:spLocks noGrp="1"/>
+          </p:cNvSpPr>
+          <p:nvPr>
+            <p:ph type="title"/>
+          </p:nvPr>
+        </p:nvSpPr>
+        <p:spPr/>
+        <p:txBody>
+          <a:bodyPr/>
+          <a:lstStyle/>
+          <a:p>
+            <a:r>
+              <a:rPr lang="de-DE" dirty="0" smtClean="0"/>
+              <a:t>Gleiches Beispiel mit Entity Framework</a:t>
+            </a:r>
+            <a:endParaRPr lang="de-DE" dirty="0"/>
+          </a:p>
+        </p:txBody>
+      </p:sp>
+      <p:sp>
+        <p:nvSpPr>
+          <p:cNvPr id="3" name="Inhaltsplatzhalter 2"/>
+          <p:cNvSpPr>
+            <a:spLocks noGrp="1"/>
+          </p:cNvSpPr>
+          <p:nvPr>
+            <p:ph idx="1"/>
+          </p:nvPr>
+        </p:nvSpPr>
+        <p:spPr/>
+        <p:txBody>
+          <a:bodyPr/>
+          <a:lstStyle/>
+          <a:p>
+            <a:r>
+              <a:rPr lang="de-DE" dirty="0" smtClean="0"/>
+              <a:t>MSSQL</a:t>
+            </a:r>
+          </a:p>
+          <a:p>
+            <a:endParaRPr lang="de-DE" dirty="0" smtClean="0"/>
+          </a:p>
+          <a:p>
+            <a:endParaRPr lang="de-DE" dirty="0" smtClean="0"/>
+          </a:p>
+          <a:p>
+            <a:endParaRPr lang="de-DE" dirty="0"/>
+          </a:p>
+          <a:p>
+            <a:endParaRPr lang="de-DE" dirty="0"/>
+          </a:p>
+          <a:p>
+            <a:r>
+              <a:rPr lang="de-DE" dirty="0" smtClean="0"/>
+              <a:t>Einträge in Tabellen sind jetzt auf Objekte abgebildet worden</a:t>
+            </a:r>
+          </a:p>
+          <a:p>
+            <a:r>
+              <a:rPr lang="de-DE" dirty="0" smtClean="0"/>
+              <a:t>Geschützt vor SQL-</a:t>
+            </a:r>
+            <a:r>
+              <a:rPr lang="de-DE" dirty="0" smtClean="0"/>
+              <a:t>Injections</a:t>
+            </a:r>
+            <a:endParaRPr lang="de-DE" dirty="0" smtClean="0"/>
+          </a:p>
+          <a:p>
+            <a:r>
+              <a:rPr lang="de-DE" dirty="0" smtClean="0"/>
+              <a:t>Keine Schreibfehler bei Tabellennamen und Spalten</a:t>
+            </a:r>
+          </a:p>
+          <a:p>
+            <a:r>
+              <a:rPr lang="de-DE" dirty="0" smtClean="0"/>
+              <a:t>Connection String in der Konfigurationsdatei gespeichert</a:t>
+            </a:r>
+            <a:endParaRPr lang="de-DE" dirty="0"/>
+          </a:p>
+        </p:txBody>
+      </p:sp>
+      <p:sp>
+        <p:nvSpPr>
+          <p:cNvPr id="4" name="Foliennummernplatzhalter 3"/>
+          <p:cNvSpPr>
+            <a:spLocks noGrp="1"/>
+          </p:cNvSpPr>
+          <p:nvPr>
+            <p:ph type="sldNum" sz="quarter" idx="12"/>
+          </p:nvPr>
+        </p:nvSpPr>
+        <p:spPr/>
+        <p:txBody>
+          <a:bodyPr/>
+          <a:lstStyle/>
+          <a:p>
+            <a:fld id="{8F35CB8A-22DD-4279-9E9E-A49CDB5FBE56}" type="slidenum">
+              <a:rPr lang="en-US" smtClean="0"/>
+              <a:pPr/>
+              <a:t>9</a:t>
+            </a:fld>
+            <a:endParaRPr lang="en-US" dirty="0"/>
+          </a:p>
+        </p:txBody>
+      </p:sp>
+      <p:pic>
+        <p:nvPicPr>
+          <p:cNvPr id="5" name="Grafik 4"/>
+          <p:cNvPicPr>
+            <a:picLocks noChangeAspect="1"/>
+          </p:cNvPicPr>
+          <p:nvPr/>
+        </p:nvPicPr>
+        <p:blipFill>
+          <a:blip r:embed="rId2"/>
+          <a:stretch>
+            <a:fillRect/>
+          </a:stretch>
+        </p:blipFill>
+        <p:spPr>
+          <a:xfrm>
+            <a:off x="595313" y="1807281"/>
+            <a:ext cx="10407546" cy="1233023"/>
+          </a:xfrm>
+          <a:prstGeom prst="rect">
+            <a:avLst/>
+          </a:prstGeom>
+        </p:spPr>
+      </p:pic>
+    </p:spTree>
+    <p:extLst>
+      <p:ext uri="{BB962C8B-B14F-4D97-AF65-F5344CB8AC3E}">
+        <p14:creationId xmlns:p14="http://schemas.microsoft.com/office/powerpoint/2010/main" val="1242375726"/>
+      </p:ext>
+    </p:extLst>
   </p:cSld>
   <p:clrMapOvr>
     <a:masterClrMapping/>
